--- a/Where to go on vacation.pptx
+++ b/Where to go on vacation.pptx
@@ -5,28 +5,26 @@
     <p:sldMasterId id="2147483840" r:id="rId1"/>
   </p:sldMasterIdLst>
   <p:notesMasterIdLst>
-    <p:notesMasterId r:id="rId18"/>
+    <p:notesMasterId r:id="rId16"/>
   </p:notesMasterIdLst>
   <p:handoutMasterIdLst>
-    <p:handoutMasterId r:id="rId19"/>
+    <p:handoutMasterId r:id="rId17"/>
   </p:handoutMasterIdLst>
   <p:sldIdLst>
     <p:sldId id="256" r:id="rId2"/>
     <p:sldId id="257" r:id="rId3"/>
     <p:sldId id="267" r:id="rId4"/>
     <p:sldId id="268" r:id="rId5"/>
-    <p:sldId id="258" r:id="rId6"/>
-    <p:sldId id="269" r:id="rId7"/>
-    <p:sldId id="270" r:id="rId8"/>
-    <p:sldId id="271" r:id="rId9"/>
-    <p:sldId id="272" r:id="rId10"/>
-    <p:sldId id="277" r:id="rId11"/>
-    <p:sldId id="273" r:id="rId12"/>
-    <p:sldId id="276" r:id="rId13"/>
-    <p:sldId id="278" r:id="rId14"/>
-    <p:sldId id="274" r:id="rId15"/>
-    <p:sldId id="279" r:id="rId16"/>
-    <p:sldId id="280" r:id="rId17"/>
+    <p:sldId id="269" r:id="rId6"/>
+    <p:sldId id="270" r:id="rId7"/>
+    <p:sldId id="271" r:id="rId8"/>
+    <p:sldId id="277" r:id="rId9"/>
+    <p:sldId id="273" r:id="rId10"/>
+    <p:sldId id="276" r:id="rId11"/>
+    <p:sldId id="278" r:id="rId12"/>
+    <p:sldId id="274" r:id="rId13"/>
+    <p:sldId id="279" r:id="rId14"/>
+    <p:sldId id="280" r:id="rId15"/>
   </p:sldIdLst>
   <p:sldSz cx="12192000" cy="6858000"/>
   <p:notesSz cx="6858000" cy="9144000"/>
@@ -4554,12 +4552,7 @@
             <p:ph type="title"/>
           </p:nvPr>
         </p:nvSpPr>
-        <p:spPr>
-          <a:xfrm>
-            <a:off x="1341119" y="110970"/>
-            <a:ext cx="9509759" cy="1088136"/>
-          </a:xfrm>
-        </p:spPr>
+        <p:spPr/>
         <p:txBody>
           <a:bodyPr>
             <a:normAutofit fontScale="90000"/>
@@ -4569,7 +4562,7 @@
             <a:pPr algn="ctr"/>
             <a:r>
               <a:rPr lang="en-US" dirty="0"/>
-              <a:t>Methodology</a:t>
+              <a:t>Custom client part</a:t>
             </a:r>
             <a:br>
               <a:rPr lang="en-US" dirty="0"/>
@@ -4596,7 +4589,7 @@
         </p:nvSpPr>
         <p:spPr>
           <a:xfrm>
-            <a:off x="1258742" y="732508"/>
+            <a:off x="1275218" y="945686"/>
             <a:ext cx="9509760" cy="2358740"/>
           </a:xfrm>
         </p:spPr>
@@ -4608,8 +4601,447 @@
           <a:p>
             <a:r>
               <a:rPr lang="en-US" dirty="0"/>
-              <a:t>The next step is to see if there are any cities that should be discarded because it has few sites. This may be because Foursquare has little data about a site, because we put the coordinates wrong (for example, we put the name of a country or region instead of a city) or that the place simply has few sites. An example of a misnomer is for example the place "Hawaii". However, when looking for the coordinates in geocoders, putting the name of Hawaii instead of the name of its capital (Honolulu) returned us a location far from any city.</a:t>
-            </a:r>
+              <a:t>The next thing is defining a user's score to previous cities to see where their next vacation should be.</a:t>
+            </a:r>
+          </a:p>
+          <a:p>
+            <a:r>
+              <a:rPr lang="en-US" dirty="0"/>
+              <a:t>For this we will invent a user, whose scores will be:</a:t>
+            </a:r>
+          </a:p>
+        </p:txBody>
+      </p:sp>
+      <p:pic>
+        <p:nvPicPr>
+          <p:cNvPr id="5" name="Picture 4">
+            <a:extLst>
+              <a:ext uri="{FF2B5EF4-FFF2-40B4-BE49-F238E27FC236}">
+                <a16:creationId xmlns:a16="http://schemas.microsoft.com/office/drawing/2014/main" id="{EB097491-C494-4272-B26F-22D710AAB1E4}"/>
+              </a:ext>
+            </a:extLst>
+          </p:cNvPr>
+          <p:cNvPicPr/>
+          <p:nvPr/>
+        </p:nvPicPr>
+        <p:blipFill>
+          <a:blip r:embed="rId2"/>
+          <a:stretch>
+            <a:fillRect/>
+          </a:stretch>
+        </p:blipFill>
+        <p:spPr>
+          <a:xfrm>
+            <a:off x="7735331" y="1640637"/>
+            <a:ext cx="2836518" cy="4271677"/>
+          </a:xfrm>
+          <a:prstGeom prst="rect">
+            <a:avLst/>
+          </a:prstGeom>
+        </p:spPr>
+      </p:pic>
+    </p:spTree>
+    <p:extLst>
+      <p:ext uri="{BB962C8B-B14F-4D97-AF65-F5344CB8AC3E}">
+        <p14:creationId xmlns:p14="http://schemas.microsoft.com/office/powerpoint/2010/main" val="2691193041"/>
+      </p:ext>
+    </p:extLst>
+  </p:cSld>
+  <p:clrMapOvr>
+    <a:masterClrMapping/>
+  </p:clrMapOvr>
+  <mc:AlternateContent xmlns:mc="http://schemas.openxmlformats.org/markup-compatibility/2006" xmlns:p14="http://schemas.microsoft.com/office/powerpoint/2010/main">
+    <mc:Choice Requires="p14">
+      <p:transition spd="med" p14:dur="700">
+        <p:fade/>
+      </p:transition>
+    </mc:Choice>
+    <mc:Fallback xmlns="">
+      <p:transition spd="med">
+        <p:fade/>
+      </p:transition>
+    </mc:Fallback>
+  </mc:AlternateContent>
+</p:sld>
+</file>
+
+<file path=ppt/slides/slide11.xml><?xml version="1.0" encoding="utf-8"?>
+<p:sld xmlns:a="http://schemas.openxmlformats.org/drawingml/2006/main" xmlns:r="http://schemas.openxmlformats.org/officeDocument/2006/relationships" xmlns:p="http://schemas.openxmlformats.org/presentationml/2006/main">
+  <p:cSld>
+    <p:spTree>
+      <p:nvGrpSpPr>
+        <p:cNvPr id="1" name=""/>
+        <p:cNvGrpSpPr/>
+        <p:nvPr/>
+      </p:nvGrpSpPr>
+      <p:grpSpPr>
+        <a:xfrm>
+          <a:off x="0" y="0"/>
+          <a:ext cx="0" cy="0"/>
+          <a:chOff x="0" y="0"/>
+          <a:chExt cx="0" cy="0"/>
+        </a:xfrm>
+      </p:grpSpPr>
+      <p:sp>
+        <p:nvSpPr>
+          <p:cNvPr id="2" name="Title 1"/>
+          <p:cNvSpPr>
+            <a:spLocks noGrp="1"/>
+          </p:cNvSpPr>
+          <p:nvPr>
+            <p:ph type="title"/>
+          </p:nvPr>
+        </p:nvSpPr>
+        <p:spPr/>
+        <p:txBody>
+          <a:bodyPr>
+            <a:normAutofit fontScale="90000"/>
+          </a:bodyPr>
+          <a:lstStyle/>
+          <a:p>
+            <a:pPr algn="ctr"/>
+            <a:r>
+              <a:rPr lang="en-US" dirty="0"/>
+              <a:t>Custom client part</a:t>
+            </a:r>
+            <a:br>
+              <a:rPr lang="en-US" dirty="0"/>
+            </a:br>
+            <a:endParaRPr lang="en-US" dirty="0"/>
+          </a:p>
+        </p:txBody>
+      </p:sp>
+      <p:sp>
+        <p:nvSpPr>
+          <p:cNvPr id="9" name="Content Placeholder 2">
+            <a:extLst>
+              <a:ext uri="{FF2B5EF4-FFF2-40B4-BE49-F238E27FC236}">
+                <a16:creationId xmlns:a16="http://schemas.microsoft.com/office/drawing/2014/main" id="{E3CA6EBC-B4F6-4394-AB80-9EDE2B3CC950}"/>
+              </a:ext>
+            </a:extLst>
+          </p:cNvPr>
+          <p:cNvSpPr>
+            <a:spLocks noGrp="1"/>
+          </p:cNvSpPr>
+          <p:nvPr>
+            <p:ph idx="1"/>
+          </p:nvPr>
+        </p:nvSpPr>
+        <p:spPr>
+          <a:xfrm>
+            <a:off x="1275218" y="945686"/>
+            <a:ext cx="9509760" cy="2358740"/>
+          </a:xfrm>
+        </p:spPr>
+        <p:txBody>
+          <a:bodyPr>
+            <a:normAutofit/>
+          </a:bodyPr>
+          <a:lstStyle/>
+          <a:p>
+            <a:r>
+              <a:rPr lang="en-US" dirty="0"/>
+              <a:t>From the user ratings and the Cities features, we can compute how much the user likes each feature. For this user we get: </a:t>
+            </a:r>
+          </a:p>
+        </p:txBody>
+      </p:sp>
+      <p:pic>
+        <p:nvPicPr>
+          <p:cNvPr id="6" name="Picture 5">
+            <a:extLst>
+              <a:ext uri="{FF2B5EF4-FFF2-40B4-BE49-F238E27FC236}">
+                <a16:creationId xmlns:a16="http://schemas.microsoft.com/office/drawing/2014/main" id="{73B339AF-FF42-49EC-8EA0-F14FE9637E58}"/>
+              </a:ext>
+            </a:extLst>
+          </p:cNvPr>
+          <p:cNvPicPr/>
+          <p:nvPr/>
+        </p:nvPicPr>
+        <p:blipFill>
+          <a:blip r:embed="rId2"/>
+          <a:stretch>
+            <a:fillRect/>
+          </a:stretch>
+        </p:blipFill>
+        <p:spPr>
+          <a:xfrm>
+            <a:off x="4168346" y="2104124"/>
+            <a:ext cx="3286425" cy="3093952"/>
+          </a:xfrm>
+          <a:prstGeom prst="rect">
+            <a:avLst/>
+          </a:prstGeom>
+        </p:spPr>
+      </p:pic>
+    </p:spTree>
+    <p:extLst>
+      <p:ext uri="{BB962C8B-B14F-4D97-AF65-F5344CB8AC3E}">
+        <p14:creationId xmlns:p14="http://schemas.microsoft.com/office/powerpoint/2010/main" val="1753586676"/>
+      </p:ext>
+    </p:extLst>
+  </p:cSld>
+  <p:clrMapOvr>
+    <a:masterClrMapping/>
+  </p:clrMapOvr>
+  <mc:AlternateContent xmlns:mc="http://schemas.openxmlformats.org/markup-compatibility/2006" xmlns:p14="http://schemas.microsoft.com/office/powerpoint/2010/main">
+    <mc:Choice Requires="p14">
+      <p:transition spd="med" p14:dur="700">
+        <p:fade/>
+      </p:transition>
+    </mc:Choice>
+    <mc:Fallback xmlns="">
+      <p:transition spd="med">
+        <p:fade/>
+      </p:transition>
+    </mc:Fallback>
+  </mc:AlternateContent>
+</p:sld>
+</file>
+
+<file path=ppt/slides/slide12.xml><?xml version="1.0" encoding="utf-8"?>
+<p:sld xmlns:a="http://schemas.openxmlformats.org/drawingml/2006/main" xmlns:r="http://schemas.openxmlformats.org/officeDocument/2006/relationships" xmlns:p="http://schemas.openxmlformats.org/presentationml/2006/main">
+  <p:cSld>
+    <p:spTree>
+      <p:nvGrpSpPr>
+        <p:cNvPr id="1" name=""/>
+        <p:cNvGrpSpPr/>
+        <p:nvPr/>
+      </p:nvGrpSpPr>
+      <p:grpSpPr>
+        <a:xfrm>
+          <a:off x="0" y="0"/>
+          <a:ext cx="0" cy="0"/>
+          <a:chOff x="0" y="0"/>
+          <a:chExt cx="0" cy="0"/>
+        </a:xfrm>
+      </p:grpSpPr>
+      <p:sp>
+        <p:nvSpPr>
+          <p:cNvPr id="2" name="Title 1"/>
+          <p:cNvSpPr>
+            <a:spLocks noGrp="1"/>
+          </p:cNvSpPr>
+          <p:nvPr>
+            <p:ph type="title"/>
+          </p:nvPr>
+        </p:nvSpPr>
+        <p:spPr/>
+        <p:txBody>
+          <a:bodyPr>
+            <a:normAutofit fontScale="90000"/>
+          </a:bodyPr>
+          <a:lstStyle/>
+          <a:p>
+            <a:pPr algn="ctr"/>
+            <a:r>
+              <a:rPr lang="en-US" dirty="0"/>
+              <a:t>User </a:t>
+            </a:r>
+            <a:r>
+              <a:rPr lang="en-US" dirty="0" err="1"/>
+              <a:t>recomendations</a:t>
+            </a:r>
+            <a:br>
+              <a:rPr lang="en-US" dirty="0"/>
+            </a:br>
+            <a:endParaRPr lang="en-US" dirty="0"/>
+          </a:p>
+        </p:txBody>
+      </p:sp>
+      <p:sp>
+        <p:nvSpPr>
+          <p:cNvPr id="9" name="Content Placeholder 2">
+            <a:extLst>
+              <a:ext uri="{FF2B5EF4-FFF2-40B4-BE49-F238E27FC236}">
+                <a16:creationId xmlns:a16="http://schemas.microsoft.com/office/drawing/2014/main" id="{E3CA6EBC-B4F6-4394-AB80-9EDE2B3CC950}"/>
+              </a:ext>
+            </a:extLst>
+          </p:cNvPr>
+          <p:cNvSpPr>
+            <a:spLocks noGrp="1"/>
+          </p:cNvSpPr>
+          <p:nvPr>
+            <p:ph idx="1"/>
+          </p:nvPr>
+        </p:nvSpPr>
+        <p:spPr>
+          <a:xfrm>
+            <a:off x="1266980" y="1070260"/>
+            <a:ext cx="9509760" cy="824443"/>
+          </a:xfrm>
+        </p:spPr>
+        <p:txBody>
+          <a:bodyPr>
+            <a:normAutofit/>
+          </a:bodyPr>
+          <a:lstStyle/>
+          <a:p>
+            <a:r>
+              <a:rPr lang="en-US" dirty="0"/>
+              <a:t>Once we have the user predilection for each </a:t>
+            </a:r>
+            <a:r>
+              <a:rPr lang="en-US" dirty="0" err="1"/>
+              <a:t>feauter</a:t>
+            </a:r>
+            <a:r>
+              <a:rPr lang="en-US" dirty="0"/>
+              <a:t>, we can compute the user </a:t>
+            </a:r>
+            <a:r>
+              <a:rPr lang="en-US" dirty="0" err="1"/>
+              <a:t>favourites</a:t>
+            </a:r>
+            <a:r>
+              <a:rPr lang="en-US" dirty="0"/>
+              <a:t> cities, which are: </a:t>
+            </a:r>
+          </a:p>
+        </p:txBody>
+      </p:sp>
+      <p:pic>
+        <p:nvPicPr>
+          <p:cNvPr id="6" name="Picture 5">
+            <a:extLst>
+              <a:ext uri="{FF2B5EF4-FFF2-40B4-BE49-F238E27FC236}">
+                <a16:creationId xmlns:a16="http://schemas.microsoft.com/office/drawing/2014/main" id="{3C1FD6E7-CAC2-4FA5-9932-2F5A9F16B5BC}"/>
+              </a:ext>
+            </a:extLst>
+          </p:cNvPr>
+          <p:cNvPicPr/>
+          <p:nvPr/>
+        </p:nvPicPr>
+        <p:blipFill>
+          <a:blip r:embed="rId2"/>
+          <a:stretch>
+            <a:fillRect/>
+          </a:stretch>
+        </p:blipFill>
+        <p:spPr>
+          <a:xfrm>
+            <a:off x="1741787" y="2018794"/>
+            <a:ext cx="8708424" cy="3591173"/>
+          </a:xfrm>
+          <a:prstGeom prst="rect">
+            <a:avLst/>
+          </a:prstGeom>
+        </p:spPr>
+      </p:pic>
+    </p:spTree>
+    <p:extLst>
+      <p:ext uri="{BB962C8B-B14F-4D97-AF65-F5344CB8AC3E}">
+        <p14:creationId xmlns:p14="http://schemas.microsoft.com/office/powerpoint/2010/main" val="3863941124"/>
+      </p:ext>
+    </p:extLst>
+  </p:cSld>
+  <p:clrMapOvr>
+    <a:masterClrMapping/>
+  </p:clrMapOvr>
+  <mc:AlternateContent xmlns:mc="http://schemas.openxmlformats.org/markup-compatibility/2006" xmlns:p14="http://schemas.microsoft.com/office/powerpoint/2010/main">
+    <mc:Choice Requires="p14">
+      <p:transition spd="med" p14:dur="700">
+        <p:fade/>
+      </p:transition>
+    </mc:Choice>
+    <mc:Fallback xmlns="">
+      <p:transition spd="med">
+        <p:fade/>
+      </p:transition>
+    </mc:Fallback>
+  </mc:AlternateContent>
+</p:sld>
+</file>
+
+<file path=ppt/slides/slide13.xml><?xml version="1.0" encoding="utf-8"?>
+<p:sld xmlns:a="http://schemas.openxmlformats.org/drawingml/2006/main" xmlns:r="http://schemas.openxmlformats.org/officeDocument/2006/relationships" xmlns:p="http://schemas.openxmlformats.org/presentationml/2006/main">
+  <p:cSld>
+    <p:spTree>
+      <p:nvGrpSpPr>
+        <p:cNvPr id="1" name=""/>
+        <p:cNvGrpSpPr/>
+        <p:nvPr/>
+      </p:nvGrpSpPr>
+      <p:grpSpPr>
+        <a:xfrm>
+          <a:off x="0" y="0"/>
+          <a:ext cx="0" cy="0"/>
+          <a:chOff x="0" y="0"/>
+          <a:chExt cx="0" cy="0"/>
+        </a:xfrm>
+      </p:grpSpPr>
+      <p:sp>
+        <p:nvSpPr>
+          <p:cNvPr id="2" name="Title 1"/>
+          <p:cNvSpPr>
+            <a:spLocks noGrp="1"/>
+          </p:cNvSpPr>
+          <p:nvPr>
+            <p:ph type="title"/>
+          </p:nvPr>
+        </p:nvSpPr>
+        <p:spPr/>
+        <p:txBody>
+          <a:bodyPr>
+            <a:normAutofit fontScale="90000"/>
+          </a:bodyPr>
+          <a:lstStyle/>
+          <a:p>
+            <a:pPr algn="ctr"/>
+            <a:r>
+              <a:rPr lang="en-US" dirty="0"/>
+              <a:t>User </a:t>
+            </a:r>
+            <a:r>
+              <a:rPr lang="en-US" dirty="0" err="1"/>
+              <a:t>recomendations</a:t>
+            </a:r>
+            <a:br>
+              <a:rPr lang="en-US" dirty="0"/>
+            </a:br>
+            <a:endParaRPr lang="en-US" dirty="0"/>
+          </a:p>
+        </p:txBody>
+      </p:sp>
+      <p:sp>
+        <p:nvSpPr>
+          <p:cNvPr id="9" name="Content Placeholder 2">
+            <a:extLst>
+              <a:ext uri="{FF2B5EF4-FFF2-40B4-BE49-F238E27FC236}">
+                <a16:creationId xmlns:a16="http://schemas.microsoft.com/office/drawing/2014/main" id="{E3CA6EBC-B4F6-4394-AB80-9EDE2B3CC950}"/>
+              </a:ext>
+            </a:extLst>
+          </p:cNvPr>
+          <p:cNvSpPr>
+            <a:spLocks noGrp="1"/>
+          </p:cNvSpPr>
+          <p:nvPr>
+            <p:ph idx="1"/>
+          </p:nvPr>
+        </p:nvSpPr>
+        <p:spPr>
+          <a:xfrm>
+            <a:off x="1266980" y="1070260"/>
+            <a:ext cx="9509760" cy="824443"/>
+          </a:xfrm>
+        </p:spPr>
+        <p:txBody>
+          <a:bodyPr>
+            <a:normAutofit lnSpcReduction="10000"/>
+          </a:bodyPr>
+          <a:lstStyle/>
+          <a:p>
+            <a:r>
+              <a:rPr lang="en-US" dirty="0" err="1"/>
+              <a:t>Toghether</a:t>
+            </a:r>
+            <a:r>
+              <a:rPr lang="en-US" dirty="0"/>
+              <a:t> with the table showing the best matches and the top venues of each city, we provide a dashboard where the user can select a city from the recommended list, and the city and it’s venues will show in a map:</a:t>
+            </a:r>
+          </a:p>
+          <a:p>
+            <a:endParaRPr lang="en-US" dirty="0"/>
           </a:p>
         </p:txBody>
       </p:sp>
@@ -4618,7 +5050,683 @@
           <p:cNvPr id="4" name="Picture 3">
             <a:extLst>
               <a:ext uri="{FF2B5EF4-FFF2-40B4-BE49-F238E27FC236}">
-                <a16:creationId xmlns:a16="http://schemas.microsoft.com/office/drawing/2014/main" id="{8A72DE58-7221-4F9F-9E58-9B166B7E056D}"/>
+                <a16:creationId xmlns:a16="http://schemas.microsoft.com/office/drawing/2014/main" id="{DDDE0814-55F6-481D-93B1-9D3C4F308F16}"/>
+              </a:ext>
+            </a:extLst>
+          </p:cNvPr>
+          <p:cNvPicPr>
+            <a:picLocks noChangeAspect="1"/>
+          </p:cNvPicPr>
+          <p:nvPr/>
+        </p:nvPicPr>
+        <p:blipFill rotWithShape="1">
+          <a:blip r:embed="rId2"/>
+          <a:srcRect t="11044" b="15654"/>
+          <a:stretch/>
+        </p:blipFill>
+        <p:spPr>
+          <a:xfrm>
+            <a:off x="1266980" y="2158396"/>
+            <a:ext cx="9965858" cy="3629344"/>
+          </a:xfrm>
+          <a:prstGeom prst="rect">
+            <a:avLst/>
+          </a:prstGeom>
+        </p:spPr>
+      </p:pic>
+    </p:spTree>
+    <p:extLst>
+      <p:ext uri="{BB962C8B-B14F-4D97-AF65-F5344CB8AC3E}">
+        <p14:creationId xmlns:p14="http://schemas.microsoft.com/office/powerpoint/2010/main" val="1331632781"/>
+      </p:ext>
+    </p:extLst>
+  </p:cSld>
+  <p:clrMapOvr>
+    <a:masterClrMapping/>
+  </p:clrMapOvr>
+  <mc:AlternateContent xmlns:mc="http://schemas.openxmlformats.org/markup-compatibility/2006" xmlns:p14="http://schemas.microsoft.com/office/powerpoint/2010/main">
+    <mc:Choice Requires="p14">
+      <p:transition spd="med" p14:dur="700">
+        <p:fade/>
+      </p:transition>
+    </mc:Choice>
+    <mc:Fallback xmlns="">
+      <p:transition spd="med">
+        <p:fade/>
+      </p:transition>
+    </mc:Fallback>
+  </mc:AlternateContent>
+</p:sld>
+</file>
+
+<file path=ppt/slides/slide14.xml><?xml version="1.0" encoding="utf-8"?>
+<p:sld xmlns:a="http://schemas.openxmlformats.org/drawingml/2006/main" xmlns:r="http://schemas.openxmlformats.org/officeDocument/2006/relationships" xmlns:p="http://schemas.openxmlformats.org/presentationml/2006/main">
+  <p:cSld>
+    <p:spTree>
+      <p:nvGrpSpPr>
+        <p:cNvPr id="1" name=""/>
+        <p:cNvGrpSpPr/>
+        <p:nvPr/>
+      </p:nvGrpSpPr>
+      <p:grpSpPr>
+        <a:xfrm>
+          <a:off x="0" y="0"/>
+          <a:ext cx="0" cy="0"/>
+          <a:chOff x="0" y="0"/>
+          <a:chExt cx="0" cy="0"/>
+        </a:xfrm>
+      </p:grpSpPr>
+      <p:sp>
+        <p:nvSpPr>
+          <p:cNvPr id="2" name="Title 1"/>
+          <p:cNvSpPr>
+            <a:spLocks noGrp="1"/>
+          </p:cNvSpPr>
+          <p:nvPr>
+            <p:ph type="title"/>
+          </p:nvPr>
+        </p:nvSpPr>
+        <p:spPr/>
+        <p:txBody>
+          <a:bodyPr>
+            <a:normAutofit fontScale="90000"/>
+          </a:bodyPr>
+          <a:lstStyle/>
+          <a:p>
+            <a:pPr algn="ctr"/>
+            <a:r>
+              <a:rPr lang="en-US" dirty="0"/>
+              <a:t>Results, discussion and conclusion</a:t>
+            </a:r>
+            <a:br>
+              <a:rPr lang="en-US" dirty="0"/>
+            </a:br>
+            <a:endParaRPr lang="en-US" dirty="0"/>
+          </a:p>
+        </p:txBody>
+      </p:sp>
+      <p:sp>
+        <p:nvSpPr>
+          <p:cNvPr id="9" name="Content Placeholder 2">
+            <a:extLst>
+              <a:ext uri="{FF2B5EF4-FFF2-40B4-BE49-F238E27FC236}">
+                <a16:creationId xmlns:a16="http://schemas.microsoft.com/office/drawing/2014/main" id="{E3CA6EBC-B4F6-4394-AB80-9EDE2B3CC950}"/>
+              </a:ext>
+            </a:extLst>
+          </p:cNvPr>
+          <p:cNvSpPr>
+            <a:spLocks noGrp="1"/>
+          </p:cNvSpPr>
+          <p:nvPr>
+            <p:ph idx="1"/>
+          </p:nvPr>
+        </p:nvSpPr>
+        <p:spPr>
+          <a:xfrm>
+            <a:off x="1489402" y="1353312"/>
+            <a:ext cx="9509760" cy="4869221"/>
+          </a:xfrm>
+        </p:spPr>
+        <p:txBody>
+          <a:bodyPr>
+            <a:normAutofit/>
+          </a:bodyPr>
+          <a:lstStyle/>
+          <a:p>
+            <a:r>
+              <a:rPr lang="en-US" dirty="0"/>
+              <a:t>The result of this project is the recommended sites for a particular user.</a:t>
+            </a:r>
+          </a:p>
+          <a:p>
+            <a:r>
+              <a:rPr lang="en-US" dirty="0"/>
+              <a:t>As has been seen and explained, the scores entered clearly correspond to a person with little interest in big cities, someone who enjoys relaxing vacations much more, in quiet places and especially with the beach. We can see, as of the 15 recommended cities, except Dubai, the other cities are relatively quiet cities, and most are beach, so it seems that the algorithm works quite well, and the recommendations are good.</a:t>
+            </a:r>
+          </a:p>
+          <a:p>
+            <a:r>
+              <a:rPr lang="en-US" dirty="0"/>
+              <a:t>In conclusion, we can say that this program is a good tool when planning a vacation, since due to the wide range of places to go, and how quickly they all change, it is difficult to know where to go, and where you will find what you are looking for</a:t>
+            </a:r>
+          </a:p>
+          <a:p>
+            <a:endParaRPr lang="en-US" dirty="0"/>
+          </a:p>
+          <a:p>
+            <a:r>
+              <a:rPr lang="en-US" dirty="0"/>
+              <a:t>The final decision of where to go will be up to the client, but good recommendations are made.</a:t>
+            </a:r>
+          </a:p>
+        </p:txBody>
+      </p:sp>
+    </p:spTree>
+    <p:extLst>
+      <p:ext uri="{BB962C8B-B14F-4D97-AF65-F5344CB8AC3E}">
+        <p14:creationId xmlns:p14="http://schemas.microsoft.com/office/powerpoint/2010/main" val="1668426345"/>
+      </p:ext>
+    </p:extLst>
+  </p:cSld>
+  <p:clrMapOvr>
+    <a:masterClrMapping/>
+  </p:clrMapOvr>
+  <mc:AlternateContent xmlns:mc="http://schemas.openxmlformats.org/markup-compatibility/2006" xmlns:p14="http://schemas.microsoft.com/office/powerpoint/2010/main">
+    <mc:Choice Requires="p14">
+      <p:transition spd="med" p14:dur="700">
+        <p:fade/>
+      </p:transition>
+    </mc:Choice>
+    <mc:Fallback xmlns="">
+      <p:transition spd="med">
+        <p:fade/>
+      </p:transition>
+    </mc:Fallback>
+  </mc:AlternateContent>
+</p:sld>
+</file>
+
+<file path=ppt/slides/slide2.xml><?xml version="1.0" encoding="utf-8"?>
+<p:sld xmlns:a="http://schemas.openxmlformats.org/drawingml/2006/main" xmlns:r="http://schemas.openxmlformats.org/officeDocument/2006/relationships" xmlns:p="http://schemas.openxmlformats.org/presentationml/2006/main">
+  <p:cSld>
+    <p:spTree>
+      <p:nvGrpSpPr>
+        <p:cNvPr id="1" name=""/>
+        <p:cNvGrpSpPr/>
+        <p:nvPr/>
+      </p:nvGrpSpPr>
+      <p:grpSpPr>
+        <a:xfrm>
+          <a:off x="0" y="0"/>
+          <a:ext cx="0" cy="0"/>
+          <a:chOff x="0" y="0"/>
+          <a:chExt cx="0" cy="0"/>
+        </a:xfrm>
+      </p:grpSpPr>
+      <p:sp>
+        <p:nvSpPr>
+          <p:cNvPr id="2" name="Title 1"/>
+          <p:cNvSpPr>
+            <a:spLocks noGrp="1"/>
+          </p:cNvSpPr>
+          <p:nvPr>
+            <p:ph type="title"/>
+          </p:nvPr>
+        </p:nvSpPr>
+        <p:spPr/>
+        <p:txBody>
+          <a:bodyPr/>
+          <a:lstStyle/>
+          <a:p>
+            <a:r>
+              <a:rPr lang="en-US" dirty="0"/>
+              <a:t>Presentation content:</a:t>
+            </a:r>
+          </a:p>
+        </p:txBody>
+      </p:sp>
+      <p:sp>
+        <p:nvSpPr>
+          <p:cNvPr id="3" name="Content Placeholder 2"/>
+          <p:cNvSpPr>
+            <a:spLocks noGrp="1"/>
+          </p:cNvSpPr>
+          <p:nvPr>
+            <p:ph idx="1"/>
+          </p:nvPr>
+        </p:nvSpPr>
+        <p:spPr/>
+        <p:txBody>
+          <a:bodyPr/>
+          <a:lstStyle/>
+          <a:p>
+            <a:r>
+              <a:rPr lang="en-US" dirty="0"/>
+              <a:t>Introduction, background and problem </a:t>
+            </a:r>
+          </a:p>
+          <a:p>
+            <a:r>
+              <a:rPr lang="en-US" dirty="0"/>
+              <a:t>Data acquisition </a:t>
+            </a:r>
+          </a:p>
+          <a:p>
+            <a:r>
+              <a:rPr lang="en-US" dirty="0"/>
+              <a:t>Cities and features selection</a:t>
+            </a:r>
+          </a:p>
+          <a:p>
+            <a:r>
+              <a:rPr lang="en-US" dirty="0"/>
+              <a:t>Methodology</a:t>
+            </a:r>
+          </a:p>
+          <a:p>
+            <a:r>
+              <a:rPr lang="en-US" dirty="0"/>
+              <a:t>Analysis</a:t>
+            </a:r>
+          </a:p>
+          <a:p>
+            <a:r>
+              <a:rPr lang="en-US" dirty="0"/>
+              <a:t>Results, discussion and conclusion</a:t>
+            </a:r>
+          </a:p>
+        </p:txBody>
+      </p:sp>
+    </p:spTree>
+    <p:extLst>
+      <p:ext uri="{BB962C8B-B14F-4D97-AF65-F5344CB8AC3E}">
+        <p14:creationId xmlns:p14="http://schemas.microsoft.com/office/powerpoint/2010/main" val="3327456264"/>
+      </p:ext>
+    </p:extLst>
+  </p:cSld>
+  <p:clrMapOvr>
+    <a:masterClrMapping/>
+  </p:clrMapOvr>
+  <mc:AlternateContent xmlns:mc="http://schemas.openxmlformats.org/markup-compatibility/2006" xmlns:p14="http://schemas.microsoft.com/office/powerpoint/2010/main">
+    <mc:Choice Requires="p14">
+      <p:transition spd="med" p14:dur="700">
+        <p:fade/>
+      </p:transition>
+    </mc:Choice>
+    <mc:Fallback xmlns="">
+      <p:transition spd="med">
+        <p:fade/>
+      </p:transition>
+    </mc:Fallback>
+  </mc:AlternateContent>
+</p:sld>
+</file>
+
+<file path=ppt/slides/slide3.xml><?xml version="1.0" encoding="utf-8"?>
+<p:sld xmlns:a="http://schemas.openxmlformats.org/drawingml/2006/main" xmlns:r="http://schemas.openxmlformats.org/officeDocument/2006/relationships" xmlns:p="http://schemas.openxmlformats.org/presentationml/2006/main">
+  <p:cSld>
+    <p:spTree>
+      <p:nvGrpSpPr>
+        <p:cNvPr id="1" name=""/>
+        <p:cNvGrpSpPr/>
+        <p:nvPr/>
+      </p:nvGrpSpPr>
+      <p:grpSpPr>
+        <a:xfrm>
+          <a:off x="0" y="0"/>
+          <a:ext cx="0" cy="0"/>
+          <a:chOff x="0" y="0"/>
+          <a:chExt cx="0" cy="0"/>
+        </a:xfrm>
+      </p:grpSpPr>
+      <p:sp>
+        <p:nvSpPr>
+          <p:cNvPr id="2" name="Title 1"/>
+          <p:cNvSpPr>
+            <a:spLocks noGrp="1"/>
+          </p:cNvSpPr>
+          <p:nvPr>
+            <p:ph type="title"/>
+          </p:nvPr>
+        </p:nvSpPr>
+        <p:spPr>
+          <a:xfrm>
+            <a:off x="1341120" y="149847"/>
+            <a:ext cx="9509759" cy="1088136"/>
+          </a:xfrm>
+        </p:spPr>
+        <p:txBody>
+          <a:bodyPr/>
+          <a:lstStyle/>
+          <a:p>
+            <a:pPr algn="ctr"/>
+            <a:r>
+              <a:rPr lang="en-US" dirty="0"/>
+              <a:t>Introduction, background &amp; problem: </a:t>
+            </a:r>
+          </a:p>
+        </p:txBody>
+      </p:sp>
+      <p:sp>
+        <p:nvSpPr>
+          <p:cNvPr id="3" name="Content Placeholder 2"/>
+          <p:cNvSpPr>
+            <a:spLocks noGrp="1"/>
+          </p:cNvSpPr>
+          <p:nvPr>
+            <p:ph idx="1"/>
+          </p:nvPr>
+        </p:nvSpPr>
+        <p:spPr>
+          <a:xfrm>
+            <a:off x="1258742" y="1622195"/>
+            <a:ext cx="9509760" cy="4142232"/>
+          </a:xfrm>
+        </p:spPr>
+        <p:txBody>
+          <a:bodyPr/>
+          <a:lstStyle/>
+          <a:p>
+            <a:r>
+              <a:rPr lang="en-US" dirty="0"/>
+              <a:t>Most people go on vacation every year, spending an average of $1,536 for household in USA.</a:t>
+            </a:r>
+          </a:p>
+          <a:p>
+            <a:pPr marL="45720" indent="0">
+              <a:buNone/>
+            </a:pPr>
+            <a:endParaRPr lang="en-US" dirty="0"/>
+          </a:p>
+          <a:p>
+            <a:r>
+              <a:rPr lang="en-US" dirty="0"/>
+              <a:t>Lots of possible destinations, and impossibility of studying them all without wasting a lot of time.</a:t>
+            </a:r>
+          </a:p>
+          <a:p>
+            <a:pPr marL="45720" indent="0">
+              <a:buNone/>
+            </a:pPr>
+            <a:endParaRPr lang="en-US" dirty="0"/>
+          </a:p>
+          <a:p>
+            <a:r>
+              <a:rPr lang="en-US" dirty="0"/>
+              <a:t>Need for a beater solution, which tells the user which are the top destinations for him/her based on him/her past experiences. </a:t>
+            </a:r>
+          </a:p>
+        </p:txBody>
+      </p:sp>
+    </p:spTree>
+    <p:extLst>
+      <p:ext uri="{BB962C8B-B14F-4D97-AF65-F5344CB8AC3E}">
+        <p14:creationId xmlns:p14="http://schemas.microsoft.com/office/powerpoint/2010/main" val="1615182999"/>
+      </p:ext>
+    </p:extLst>
+  </p:cSld>
+  <p:clrMapOvr>
+    <a:masterClrMapping/>
+  </p:clrMapOvr>
+  <mc:AlternateContent xmlns:mc="http://schemas.openxmlformats.org/markup-compatibility/2006" xmlns:p14="http://schemas.microsoft.com/office/powerpoint/2010/main">
+    <mc:Choice Requires="p14">
+      <p:transition spd="med" p14:dur="700">
+        <p:fade/>
+      </p:transition>
+    </mc:Choice>
+    <mc:Fallback xmlns="">
+      <p:transition spd="med">
+        <p:fade/>
+      </p:transition>
+    </mc:Fallback>
+  </mc:AlternateContent>
+</p:sld>
+</file>
+
+<file path=ppt/slides/slide4.xml><?xml version="1.0" encoding="utf-8"?>
+<p:sld xmlns:a="http://schemas.openxmlformats.org/drawingml/2006/main" xmlns:r="http://schemas.openxmlformats.org/officeDocument/2006/relationships" xmlns:p="http://schemas.openxmlformats.org/presentationml/2006/main">
+  <p:cSld>
+    <p:spTree>
+      <p:nvGrpSpPr>
+        <p:cNvPr id="1" name=""/>
+        <p:cNvGrpSpPr/>
+        <p:nvPr/>
+      </p:nvGrpSpPr>
+      <p:grpSpPr>
+        <a:xfrm>
+          <a:off x="0" y="0"/>
+          <a:ext cx="0" cy="0"/>
+          <a:chOff x="0" y="0"/>
+          <a:chExt cx="0" cy="0"/>
+        </a:xfrm>
+      </p:grpSpPr>
+      <p:sp>
+        <p:nvSpPr>
+          <p:cNvPr id="2" name="Title 1"/>
+          <p:cNvSpPr>
+            <a:spLocks noGrp="1"/>
+          </p:cNvSpPr>
+          <p:nvPr>
+            <p:ph type="title"/>
+          </p:nvPr>
+        </p:nvSpPr>
+        <p:spPr>
+          <a:xfrm>
+            <a:off x="1341120" y="149847"/>
+            <a:ext cx="9509759" cy="1088136"/>
+          </a:xfrm>
+        </p:spPr>
+        <p:txBody>
+          <a:bodyPr/>
+          <a:lstStyle/>
+          <a:p>
+            <a:pPr algn="ctr"/>
+            <a:r>
+              <a:rPr lang="en-US" dirty="0"/>
+              <a:t>Data acquisition:</a:t>
+            </a:r>
+          </a:p>
+        </p:txBody>
+      </p:sp>
+      <p:sp>
+        <p:nvSpPr>
+          <p:cNvPr id="3" name="Content Placeholder 2"/>
+          <p:cNvSpPr>
+            <a:spLocks noGrp="1"/>
+          </p:cNvSpPr>
+          <p:nvPr>
+            <p:ph idx="1"/>
+          </p:nvPr>
+        </p:nvSpPr>
+        <p:spPr>
+          <a:xfrm>
+            <a:off x="1258742" y="1622195"/>
+            <a:ext cx="9509760" cy="4142232"/>
+          </a:xfrm>
+        </p:spPr>
+        <p:txBody>
+          <a:bodyPr/>
+          <a:lstStyle/>
+          <a:p>
+            <a:r>
+              <a:rPr lang="en-US" dirty="0"/>
+              <a:t>Data will be extracted from two main sources: </a:t>
+            </a:r>
+          </a:p>
+          <a:p>
+            <a:pPr lvl="1"/>
+            <a:r>
+              <a:rPr lang="en-US" dirty="0"/>
+              <a:t>Foursquare</a:t>
+            </a:r>
+          </a:p>
+          <a:p>
+            <a:pPr lvl="1"/>
+            <a:r>
+              <a:rPr lang="en-US" dirty="0" err="1"/>
+              <a:t>Geopy.geocoders</a:t>
+            </a:r>
+            <a:endParaRPr lang="en-US" dirty="0"/>
+          </a:p>
+          <a:p>
+            <a:pPr marL="45720" indent="0">
+              <a:buNone/>
+            </a:pPr>
+            <a:endParaRPr lang="en-US" dirty="0"/>
+          </a:p>
+        </p:txBody>
+      </p:sp>
+      <p:pic>
+        <p:nvPicPr>
+          <p:cNvPr id="1026" name="Picture 2" descr="Resultado de imagen de Geopy.geocoders">
+            <a:extLst>
+              <a:ext uri="{FF2B5EF4-FFF2-40B4-BE49-F238E27FC236}">
+                <a16:creationId xmlns:a16="http://schemas.microsoft.com/office/drawing/2014/main" id="{305AC879-CE14-436E-9B02-5A2565A149CA}"/>
+              </a:ext>
+            </a:extLst>
+          </p:cNvPr>
+          <p:cNvPicPr>
+            <a:picLocks noChangeAspect="1" noChangeArrowheads="1"/>
+          </p:cNvPicPr>
+          <p:nvPr/>
+        </p:nvPicPr>
+        <p:blipFill>
+          <a:blip r:embed="rId2">
+            <a:extLst>
+              <a:ext uri="{28A0092B-C50C-407E-A947-70E740481C1C}">
+                <a14:useLocalDpi xmlns:a14="http://schemas.microsoft.com/office/drawing/2010/main" val="0"/>
+              </a:ext>
+            </a:extLst>
+          </a:blip>
+          <a:srcRect/>
+          <a:stretch>
+            <a:fillRect/>
+          </a:stretch>
+        </p:blipFill>
+        <p:spPr bwMode="auto">
+          <a:xfrm>
+            <a:off x="6301946" y="3231209"/>
+            <a:ext cx="5210894" cy="2606804"/>
+          </a:xfrm>
+          <a:prstGeom prst="rect">
+            <a:avLst/>
+          </a:prstGeom>
+          <a:noFill/>
+          <a:extLst>
+            <a:ext uri="{909E8E84-426E-40DD-AFC4-6F175D3DCCD1}">
+              <a14:hiddenFill xmlns:a14="http://schemas.microsoft.com/office/drawing/2010/main">
+                <a:solidFill>
+                  <a:srgbClr val="FFFFFF"/>
+                </a:solidFill>
+              </a14:hiddenFill>
+            </a:ext>
+          </a:extLst>
+        </p:spPr>
+      </p:pic>
+      <p:pic>
+        <p:nvPicPr>
+          <p:cNvPr id="1028" name="Picture 4" descr="Resultado de imagen de foursquare">
+            <a:extLst>
+              <a:ext uri="{FF2B5EF4-FFF2-40B4-BE49-F238E27FC236}">
+                <a16:creationId xmlns:a16="http://schemas.microsoft.com/office/drawing/2014/main" id="{7C55CA51-CB67-45AC-81F1-9A731638445A}"/>
+              </a:ext>
+            </a:extLst>
+          </p:cNvPr>
+          <p:cNvPicPr>
+            <a:picLocks noChangeAspect="1" noChangeArrowheads="1"/>
+          </p:cNvPicPr>
+          <p:nvPr/>
+        </p:nvPicPr>
+        <p:blipFill>
+          <a:blip r:embed="rId3">
+            <a:extLst>
+              <a:ext uri="{28A0092B-C50C-407E-A947-70E740481C1C}">
+                <a14:useLocalDpi xmlns:a14="http://schemas.microsoft.com/office/drawing/2010/main" val="0"/>
+              </a:ext>
+            </a:extLst>
+          </a:blip>
+          <a:srcRect/>
+          <a:stretch>
+            <a:fillRect/>
+          </a:stretch>
+        </p:blipFill>
+        <p:spPr bwMode="auto">
+          <a:xfrm>
+            <a:off x="1423498" y="3231209"/>
+            <a:ext cx="3445063" cy="2304747"/>
+          </a:xfrm>
+          <a:prstGeom prst="rect">
+            <a:avLst/>
+          </a:prstGeom>
+          <a:noFill/>
+          <a:extLst>
+            <a:ext uri="{909E8E84-426E-40DD-AFC4-6F175D3DCCD1}">
+              <a14:hiddenFill xmlns:a14="http://schemas.microsoft.com/office/drawing/2010/main">
+                <a:solidFill>
+                  <a:srgbClr val="FFFFFF"/>
+                </a:solidFill>
+              </a14:hiddenFill>
+            </a:ext>
+          </a:extLst>
+        </p:spPr>
+      </p:pic>
+    </p:spTree>
+    <p:extLst>
+      <p:ext uri="{BB962C8B-B14F-4D97-AF65-F5344CB8AC3E}">
+        <p14:creationId xmlns:p14="http://schemas.microsoft.com/office/powerpoint/2010/main" val="785178988"/>
+      </p:ext>
+    </p:extLst>
+  </p:cSld>
+  <p:clrMapOvr>
+    <a:masterClrMapping/>
+  </p:clrMapOvr>
+  <mc:AlternateContent xmlns:mc="http://schemas.openxmlformats.org/markup-compatibility/2006" xmlns:p14="http://schemas.microsoft.com/office/powerpoint/2010/main">
+    <mc:Choice Requires="p14">
+      <p:transition spd="med" p14:dur="700">
+        <p:fade/>
+      </p:transition>
+    </mc:Choice>
+    <mc:Fallback xmlns="">
+      <p:transition spd="med">
+        <p:fade/>
+      </p:transition>
+    </mc:Fallback>
+  </mc:AlternateContent>
+</p:sld>
+</file>
+
+<file path=ppt/slides/slide5.xml><?xml version="1.0" encoding="utf-8"?>
+<p:sld xmlns:a="http://schemas.openxmlformats.org/drawingml/2006/main" xmlns:r="http://schemas.openxmlformats.org/officeDocument/2006/relationships" xmlns:p="http://schemas.openxmlformats.org/presentationml/2006/main">
+  <p:cSld>
+    <p:spTree>
+      <p:nvGrpSpPr>
+        <p:cNvPr id="1" name=""/>
+        <p:cNvGrpSpPr/>
+        <p:nvPr/>
+      </p:nvGrpSpPr>
+      <p:grpSpPr>
+        <a:xfrm>
+          <a:off x="0" y="0"/>
+          <a:ext cx="0" cy="0"/>
+          <a:chOff x="0" y="0"/>
+          <a:chExt cx="0" cy="0"/>
+        </a:xfrm>
+      </p:grpSpPr>
+      <p:sp>
+        <p:nvSpPr>
+          <p:cNvPr id="2" name="Title 1"/>
+          <p:cNvSpPr>
+            <a:spLocks noGrp="1"/>
+          </p:cNvSpPr>
+          <p:nvPr>
+            <p:ph type="title"/>
+          </p:nvPr>
+        </p:nvSpPr>
+        <p:spPr/>
+        <p:txBody>
+          <a:bodyPr>
+            <a:normAutofit fontScale="90000"/>
+          </a:bodyPr>
+          <a:lstStyle/>
+          <a:p>
+            <a:pPr algn="ctr"/>
+            <a:r>
+              <a:rPr lang="en-US" dirty="0"/>
+              <a:t>Cities and features selection</a:t>
+            </a:r>
+            <a:br>
+              <a:rPr lang="en-US" dirty="0"/>
+            </a:br>
+            <a:endParaRPr lang="en-US" dirty="0"/>
+          </a:p>
+        </p:txBody>
+      </p:sp>
+      <p:pic>
+        <p:nvPicPr>
+          <p:cNvPr id="6" name="Picture 5">
+            <a:extLst>
+              <a:ext uri="{FF2B5EF4-FFF2-40B4-BE49-F238E27FC236}">
+                <a16:creationId xmlns:a16="http://schemas.microsoft.com/office/drawing/2014/main" id="{2103FF8A-DAC7-4355-BDA0-EA5EFF06CE3B}"/>
               </a:ext>
             </a:extLst>
           </p:cNvPr>
@@ -4635,8 +5743,8 @@
         </p:blipFill>
         <p:spPr>
           <a:xfrm>
-            <a:off x="2405449" y="2863849"/>
-            <a:ext cx="7026876" cy="3457740"/>
+            <a:off x="1754660" y="1527651"/>
+            <a:ext cx="8147925" cy="3802697"/>
           </a:xfrm>
           <a:prstGeom prst="rect">
             <a:avLst/>
@@ -4645,10 +5753,43 @@
       </p:pic>
       <p:sp>
         <p:nvSpPr>
-          <p:cNvPr id="5" name="Content Placeholder 2">
+          <p:cNvPr id="9" name="Content Placeholder 2">
             <a:extLst>
               <a:ext uri="{FF2B5EF4-FFF2-40B4-BE49-F238E27FC236}">
-                <a16:creationId xmlns:a16="http://schemas.microsoft.com/office/drawing/2014/main" id="{DFF1211E-C0D0-4C2D-9FC0-050C5D8632EE}"/>
+                <a16:creationId xmlns:a16="http://schemas.microsoft.com/office/drawing/2014/main" id="{E3CA6EBC-B4F6-4394-AB80-9EDE2B3CC950}"/>
+              </a:ext>
+            </a:extLst>
+          </p:cNvPr>
+          <p:cNvSpPr>
+            <a:spLocks noGrp="1"/>
+          </p:cNvSpPr>
+          <p:nvPr>
+            <p:ph idx="1"/>
+          </p:nvPr>
+        </p:nvSpPr>
+        <p:spPr>
+          <a:xfrm>
+            <a:off x="1266980" y="1070260"/>
+            <a:ext cx="9509760" cy="457391"/>
+          </a:xfrm>
+        </p:spPr>
+        <p:txBody>
+          <a:bodyPr/>
+          <a:lstStyle/>
+          <a:p>
+            <a:r>
+              <a:rPr lang="en-US" dirty="0"/>
+              <a:t>We will use a total of 100 cities as vacation candidates, which are: </a:t>
+            </a:r>
+          </a:p>
+        </p:txBody>
+      </p:sp>
+      <p:sp>
+        <p:nvSpPr>
+          <p:cNvPr id="10" name="Content Placeholder 2">
+            <a:extLst>
+              <a:ext uri="{FF2B5EF4-FFF2-40B4-BE49-F238E27FC236}">
+                <a16:creationId xmlns:a16="http://schemas.microsoft.com/office/drawing/2014/main" id="{BEDC8CFF-FB63-477A-9BD1-02A828D97238}"/>
               </a:ext>
             </a:extLst>
           </p:cNvPr>
@@ -4659,8 +5800,8 @@
         </p:nvSpPr>
         <p:spPr>
           <a:xfrm>
-            <a:off x="1341119" y="6420735"/>
-            <a:ext cx="9509760" cy="2358740"/>
+            <a:off x="836491" y="5748362"/>
+            <a:ext cx="10014388" cy="899421"/>
           </a:xfrm>
           <a:prstGeom prst="rect">
             <a:avLst/>
@@ -4862,9 +6003,10 @@
             </a:lvl9pPr>
           </a:lstStyle>
           <a:p>
-            <a:r>
-              <a:rPr lang="en-US" sz="2400" dirty="0"/>
-              <a:t>After dropping invalid places we have 78 places left. </a:t>
+            <a:pPr algn="ctr"/>
+            <a:r>
+              <a:rPr lang="en-US" dirty="0"/>
+              <a:t>For the features, we will use the total number of venues of each category a city has. We will search for venues from a total of 100 different categories</a:t>
             </a:r>
           </a:p>
         </p:txBody>
@@ -4872,7 +6014,7 @@
     </p:spTree>
     <p:extLst>
       <p:ext uri="{BB962C8B-B14F-4D97-AF65-F5344CB8AC3E}">
-        <p14:creationId xmlns:p14="http://schemas.microsoft.com/office/powerpoint/2010/main" val="2508691385"/>
+        <p14:creationId xmlns:p14="http://schemas.microsoft.com/office/powerpoint/2010/main" val="1796920792"/>
       </p:ext>
     </p:extLst>
   </p:cSld>
@@ -4894,7 +6036,7 @@
 </p:sld>
 </file>
 
-<file path=ppt/slides/slide11.xml><?xml version="1.0" encoding="utf-8"?>
+<file path=ppt/slides/slide6.xml><?xml version="1.0" encoding="utf-8"?>
 <p:sld xmlns:a="http://schemas.openxmlformats.org/drawingml/2006/main" xmlns:r="http://schemas.openxmlformats.org/officeDocument/2006/relationships" xmlns:p="http://schemas.openxmlformats.org/presentationml/2006/main">
   <p:cSld>
     <p:spTree>
@@ -4970,7 +6112,7 @@
           <a:p>
             <a:r>
               <a:rPr lang="en-US" dirty="0"/>
-              <a:t>Now we normalize our data set.</a:t>
+              <a:t>We will search for every feature of every city, and save the returned venues from the foursquare API. We will have a table like this:</a:t>
             </a:r>
           </a:p>
         </p:txBody>
@@ -4980,7 +6122,7 @@
           <p:cNvPr id="4" name="Picture 3">
             <a:extLst>
               <a:ext uri="{FF2B5EF4-FFF2-40B4-BE49-F238E27FC236}">
-                <a16:creationId xmlns:a16="http://schemas.microsoft.com/office/drawing/2014/main" id="{B16976FA-20E7-4927-9312-1C68FDC473C1}"/>
+                <a16:creationId xmlns:a16="http://schemas.microsoft.com/office/drawing/2014/main" id="{C9EA7923-DC57-4FAB-9D61-16F58699B5FF}"/>
               </a:ext>
             </a:extLst>
           </p:cNvPr>
@@ -4997,8 +6139,8 @@
         </p:blipFill>
         <p:spPr>
           <a:xfrm>
-            <a:off x="1415260" y="1872049"/>
-            <a:ext cx="9305925" cy="3505200"/>
+            <a:off x="3506615" y="2121205"/>
+            <a:ext cx="5178768" cy="3105112"/>
           </a:xfrm>
           <a:prstGeom prst="rect">
             <a:avLst/>
@@ -5008,7 +6150,7 @@
     </p:spTree>
     <p:extLst>
       <p:ext uri="{BB962C8B-B14F-4D97-AF65-F5344CB8AC3E}">
-        <p14:creationId xmlns:p14="http://schemas.microsoft.com/office/powerpoint/2010/main" val="182264226"/>
+        <p14:creationId xmlns:p14="http://schemas.microsoft.com/office/powerpoint/2010/main" val="1529018523"/>
       </p:ext>
     </p:extLst>
   </p:cSld>
@@ -5030,7 +6172,7 @@
 </p:sld>
 </file>
 
-<file path=ppt/slides/slide12.xml><?xml version="1.0" encoding="utf-8"?>
+<file path=ppt/slides/slide7.xml><?xml version="1.0" encoding="utf-8"?>
 <p:sld xmlns:a="http://schemas.openxmlformats.org/drawingml/2006/main" xmlns:r="http://schemas.openxmlformats.org/officeDocument/2006/relationships" xmlns:p="http://schemas.openxmlformats.org/presentationml/2006/main">
   <p:cSld>
     <p:spTree>
@@ -5067,7 +6209,7 @@
             <a:pPr algn="ctr"/>
             <a:r>
               <a:rPr lang="en-US" dirty="0"/>
-              <a:t>Custom client part</a:t>
+              <a:t>Methodology</a:t>
             </a:r>
             <a:br>
               <a:rPr lang="en-US" dirty="0"/>
@@ -5094,25 +6236,19 @@
         </p:nvSpPr>
         <p:spPr>
           <a:xfrm>
-            <a:off x="1275218" y="945686"/>
-            <a:ext cx="9509760" cy="2358740"/>
+            <a:off x="1266980" y="1070260"/>
+            <a:ext cx="9509760" cy="824443"/>
           </a:xfrm>
         </p:spPr>
         <p:txBody>
           <a:bodyPr>
-            <a:normAutofit/>
+            <a:normAutofit lnSpcReduction="10000"/>
           </a:bodyPr>
           <a:lstStyle/>
           <a:p>
             <a:r>
               <a:rPr lang="en-US" dirty="0"/>
-              <a:t>The next thing is defining a user's score to previous cities to see where their next vacation should be.</a:t>
-            </a:r>
-          </a:p>
-          <a:p>
-            <a:r>
-              <a:rPr lang="en-US" dirty="0"/>
-              <a:t>For this we will invent a user, whose scores will be:</a:t>
+              <a:t>The next step is to sort all this data, and create a new table with every city in one row, and 100 columns, each with one feature. Each cell will contain the number of venues of that category that exist in that city:</a:t>
             </a:r>
           </a:p>
         </p:txBody>
@@ -5122,11 +6258,13 @@
           <p:cNvPr id="5" name="Picture 4">
             <a:extLst>
               <a:ext uri="{FF2B5EF4-FFF2-40B4-BE49-F238E27FC236}">
-                <a16:creationId xmlns:a16="http://schemas.microsoft.com/office/drawing/2014/main" id="{EB097491-C494-4272-B26F-22D710AAB1E4}"/>
+                <a16:creationId xmlns:a16="http://schemas.microsoft.com/office/drawing/2014/main" id="{E9088325-ECB4-464E-92DB-D870A16C1226}"/>
               </a:ext>
             </a:extLst>
           </p:cNvPr>
-          <p:cNvPicPr/>
+          <p:cNvPicPr>
+            <a:picLocks noChangeAspect="1"/>
+          </p:cNvPicPr>
           <p:nvPr/>
         </p:nvPicPr>
         <p:blipFill>
@@ -5137,8 +6275,8 @@
         </p:blipFill>
         <p:spPr>
           <a:xfrm>
-            <a:off x="7735331" y="1640637"/>
-            <a:ext cx="2836518" cy="4271677"/>
+            <a:off x="1677300" y="2079664"/>
+            <a:ext cx="8837398" cy="4513160"/>
           </a:xfrm>
           <a:prstGeom prst="rect">
             <a:avLst/>
@@ -5148,7 +6286,7 @@
     </p:spTree>
     <p:extLst>
       <p:ext uri="{BB962C8B-B14F-4D97-AF65-F5344CB8AC3E}">
-        <p14:creationId xmlns:p14="http://schemas.microsoft.com/office/powerpoint/2010/main" val="2691193041"/>
+        <p14:creationId xmlns:p14="http://schemas.microsoft.com/office/powerpoint/2010/main" val="328904876"/>
       </p:ext>
     </p:extLst>
   </p:cSld>
@@ -5170,7 +6308,7 @@
 </p:sld>
 </file>
 
-<file path=ppt/slides/slide13.xml><?xml version="1.0" encoding="utf-8"?>
+<file path=ppt/slides/slide8.xml><?xml version="1.0" encoding="utf-8"?>
 <p:sld xmlns:a="http://schemas.openxmlformats.org/drawingml/2006/main" xmlns:r="http://schemas.openxmlformats.org/officeDocument/2006/relationships" xmlns:p="http://schemas.openxmlformats.org/presentationml/2006/main">
   <p:cSld>
     <p:spTree>
@@ -5197,7 +6335,12 @@
             <p:ph type="title"/>
           </p:nvPr>
         </p:nvSpPr>
-        <p:spPr/>
+        <p:spPr>
+          <a:xfrm>
+            <a:off x="1341119" y="110970"/>
+            <a:ext cx="9509759" cy="1088136"/>
+          </a:xfrm>
+        </p:spPr>
         <p:txBody>
           <a:bodyPr>
             <a:normAutofit fontScale="90000"/>
@@ -5207,7 +6350,7 @@
             <a:pPr algn="ctr"/>
             <a:r>
               <a:rPr lang="en-US" dirty="0"/>
-              <a:t>Custom client part</a:t>
+              <a:t>Methodology</a:t>
             </a:r>
             <a:br>
               <a:rPr lang="en-US" dirty="0"/>
@@ -5234,7 +6377,7 @@
         </p:nvSpPr>
         <p:spPr>
           <a:xfrm>
-            <a:off x="1275218" y="945686"/>
+            <a:off x="1258742" y="732508"/>
             <a:ext cx="9509760" cy="2358740"/>
           </a:xfrm>
         </p:spPr>
@@ -5246,307 +6389,8 @@
           <a:p>
             <a:r>
               <a:rPr lang="en-US" dirty="0"/>
-              <a:t>From the user ratings and the Cities features, we can compute how much the user likes each feature. For this user we get: </a:t>
-            </a:r>
-          </a:p>
-        </p:txBody>
-      </p:sp>
-      <p:pic>
-        <p:nvPicPr>
-          <p:cNvPr id="6" name="Picture 5">
-            <a:extLst>
-              <a:ext uri="{FF2B5EF4-FFF2-40B4-BE49-F238E27FC236}">
-                <a16:creationId xmlns:a16="http://schemas.microsoft.com/office/drawing/2014/main" id="{73B339AF-FF42-49EC-8EA0-F14FE9637E58}"/>
-              </a:ext>
-            </a:extLst>
-          </p:cNvPr>
-          <p:cNvPicPr/>
-          <p:nvPr/>
-        </p:nvPicPr>
-        <p:blipFill>
-          <a:blip r:embed="rId2"/>
-          <a:stretch>
-            <a:fillRect/>
-          </a:stretch>
-        </p:blipFill>
-        <p:spPr>
-          <a:xfrm>
-            <a:off x="4168346" y="2104124"/>
-            <a:ext cx="3286425" cy="3093952"/>
-          </a:xfrm>
-          <a:prstGeom prst="rect">
-            <a:avLst/>
-          </a:prstGeom>
-        </p:spPr>
-      </p:pic>
-    </p:spTree>
-    <p:extLst>
-      <p:ext uri="{BB962C8B-B14F-4D97-AF65-F5344CB8AC3E}">
-        <p14:creationId xmlns:p14="http://schemas.microsoft.com/office/powerpoint/2010/main" val="1753586676"/>
-      </p:ext>
-    </p:extLst>
-  </p:cSld>
-  <p:clrMapOvr>
-    <a:masterClrMapping/>
-  </p:clrMapOvr>
-  <mc:AlternateContent xmlns:mc="http://schemas.openxmlformats.org/markup-compatibility/2006" xmlns:p14="http://schemas.microsoft.com/office/powerpoint/2010/main">
-    <mc:Choice Requires="p14">
-      <p:transition spd="med" p14:dur="700">
-        <p:fade/>
-      </p:transition>
-    </mc:Choice>
-    <mc:Fallback xmlns="">
-      <p:transition spd="med">
-        <p:fade/>
-      </p:transition>
-    </mc:Fallback>
-  </mc:AlternateContent>
-</p:sld>
-</file>
-
-<file path=ppt/slides/slide14.xml><?xml version="1.0" encoding="utf-8"?>
-<p:sld xmlns:a="http://schemas.openxmlformats.org/drawingml/2006/main" xmlns:r="http://schemas.openxmlformats.org/officeDocument/2006/relationships" xmlns:p="http://schemas.openxmlformats.org/presentationml/2006/main">
-  <p:cSld>
-    <p:spTree>
-      <p:nvGrpSpPr>
-        <p:cNvPr id="1" name=""/>
-        <p:cNvGrpSpPr/>
-        <p:nvPr/>
-      </p:nvGrpSpPr>
-      <p:grpSpPr>
-        <a:xfrm>
-          <a:off x="0" y="0"/>
-          <a:ext cx="0" cy="0"/>
-          <a:chOff x="0" y="0"/>
-          <a:chExt cx="0" cy="0"/>
-        </a:xfrm>
-      </p:grpSpPr>
-      <p:sp>
-        <p:nvSpPr>
-          <p:cNvPr id="2" name="Title 1"/>
-          <p:cNvSpPr>
-            <a:spLocks noGrp="1"/>
-          </p:cNvSpPr>
-          <p:nvPr>
-            <p:ph type="title"/>
-          </p:nvPr>
-        </p:nvSpPr>
-        <p:spPr/>
-        <p:txBody>
-          <a:bodyPr>
-            <a:normAutofit fontScale="90000"/>
-          </a:bodyPr>
-          <a:lstStyle/>
-          <a:p>
-            <a:pPr algn="ctr"/>
-            <a:r>
-              <a:rPr lang="en-US" dirty="0"/>
-              <a:t>User </a:t>
-            </a:r>
-            <a:r>
-              <a:rPr lang="en-US" dirty="0" err="1"/>
-              <a:t>recomendations</a:t>
-            </a:r>
-            <a:br>
-              <a:rPr lang="en-US" dirty="0"/>
-            </a:br>
-            <a:endParaRPr lang="en-US" dirty="0"/>
-          </a:p>
-        </p:txBody>
-      </p:sp>
-      <p:sp>
-        <p:nvSpPr>
-          <p:cNvPr id="9" name="Content Placeholder 2">
-            <a:extLst>
-              <a:ext uri="{FF2B5EF4-FFF2-40B4-BE49-F238E27FC236}">
-                <a16:creationId xmlns:a16="http://schemas.microsoft.com/office/drawing/2014/main" id="{E3CA6EBC-B4F6-4394-AB80-9EDE2B3CC950}"/>
-              </a:ext>
-            </a:extLst>
-          </p:cNvPr>
-          <p:cNvSpPr>
-            <a:spLocks noGrp="1"/>
-          </p:cNvSpPr>
-          <p:nvPr>
-            <p:ph idx="1"/>
-          </p:nvPr>
-        </p:nvSpPr>
-        <p:spPr>
-          <a:xfrm>
-            <a:off x="1266980" y="1070260"/>
-            <a:ext cx="9509760" cy="824443"/>
-          </a:xfrm>
-        </p:spPr>
-        <p:txBody>
-          <a:bodyPr>
-            <a:normAutofit/>
-          </a:bodyPr>
-          <a:lstStyle/>
-          <a:p>
-            <a:r>
-              <a:rPr lang="en-US" dirty="0"/>
-              <a:t>Once we have the user predilection for each </a:t>
-            </a:r>
-            <a:r>
-              <a:rPr lang="en-US" dirty="0" err="1"/>
-              <a:t>feauter</a:t>
-            </a:r>
-            <a:r>
-              <a:rPr lang="en-US" dirty="0"/>
-              <a:t>, we can compute the user </a:t>
-            </a:r>
-            <a:r>
-              <a:rPr lang="en-US" dirty="0" err="1"/>
-              <a:t>favourites</a:t>
-            </a:r>
-            <a:r>
-              <a:rPr lang="en-US" dirty="0"/>
-              <a:t> cities, which are: </a:t>
-            </a:r>
-          </a:p>
-        </p:txBody>
-      </p:sp>
-      <p:pic>
-        <p:nvPicPr>
-          <p:cNvPr id="6" name="Picture 5">
-            <a:extLst>
-              <a:ext uri="{FF2B5EF4-FFF2-40B4-BE49-F238E27FC236}">
-                <a16:creationId xmlns:a16="http://schemas.microsoft.com/office/drawing/2014/main" id="{3C1FD6E7-CAC2-4FA5-9932-2F5A9F16B5BC}"/>
-              </a:ext>
-            </a:extLst>
-          </p:cNvPr>
-          <p:cNvPicPr/>
-          <p:nvPr/>
-        </p:nvPicPr>
-        <p:blipFill>
-          <a:blip r:embed="rId2"/>
-          <a:stretch>
-            <a:fillRect/>
-          </a:stretch>
-        </p:blipFill>
-        <p:spPr>
-          <a:xfrm>
-            <a:off x="1741787" y="2018794"/>
-            <a:ext cx="8708424" cy="3591173"/>
-          </a:xfrm>
-          <a:prstGeom prst="rect">
-            <a:avLst/>
-          </a:prstGeom>
-        </p:spPr>
-      </p:pic>
-    </p:spTree>
-    <p:extLst>
-      <p:ext uri="{BB962C8B-B14F-4D97-AF65-F5344CB8AC3E}">
-        <p14:creationId xmlns:p14="http://schemas.microsoft.com/office/powerpoint/2010/main" val="3863941124"/>
-      </p:ext>
-    </p:extLst>
-  </p:cSld>
-  <p:clrMapOvr>
-    <a:masterClrMapping/>
-  </p:clrMapOvr>
-  <mc:AlternateContent xmlns:mc="http://schemas.openxmlformats.org/markup-compatibility/2006" xmlns:p14="http://schemas.microsoft.com/office/powerpoint/2010/main">
-    <mc:Choice Requires="p14">
-      <p:transition spd="med" p14:dur="700">
-        <p:fade/>
-      </p:transition>
-    </mc:Choice>
-    <mc:Fallback xmlns="">
-      <p:transition spd="med">
-        <p:fade/>
-      </p:transition>
-    </mc:Fallback>
-  </mc:AlternateContent>
-</p:sld>
-</file>
-
-<file path=ppt/slides/slide15.xml><?xml version="1.0" encoding="utf-8"?>
-<p:sld xmlns:a="http://schemas.openxmlformats.org/drawingml/2006/main" xmlns:r="http://schemas.openxmlformats.org/officeDocument/2006/relationships" xmlns:p="http://schemas.openxmlformats.org/presentationml/2006/main">
-  <p:cSld>
-    <p:spTree>
-      <p:nvGrpSpPr>
-        <p:cNvPr id="1" name=""/>
-        <p:cNvGrpSpPr/>
-        <p:nvPr/>
-      </p:nvGrpSpPr>
-      <p:grpSpPr>
-        <a:xfrm>
-          <a:off x="0" y="0"/>
-          <a:ext cx="0" cy="0"/>
-          <a:chOff x="0" y="0"/>
-          <a:chExt cx="0" cy="0"/>
-        </a:xfrm>
-      </p:grpSpPr>
-      <p:sp>
-        <p:nvSpPr>
-          <p:cNvPr id="2" name="Title 1"/>
-          <p:cNvSpPr>
-            <a:spLocks noGrp="1"/>
-          </p:cNvSpPr>
-          <p:nvPr>
-            <p:ph type="title"/>
-          </p:nvPr>
-        </p:nvSpPr>
-        <p:spPr/>
-        <p:txBody>
-          <a:bodyPr>
-            <a:normAutofit fontScale="90000"/>
-          </a:bodyPr>
-          <a:lstStyle/>
-          <a:p>
-            <a:pPr algn="ctr"/>
-            <a:r>
-              <a:rPr lang="en-US" dirty="0"/>
-              <a:t>User </a:t>
-            </a:r>
-            <a:r>
-              <a:rPr lang="en-US" dirty="0" err="1"/>
-              <a:t>recomendations</a:t>
-            </a:r>
-            <a:br>
-              <a:rPr lang="en-US" dirty="0"/>
-            </a:br>
-            <a:endParaRPr lang="en-US" dirty="0"/>
-          </a:p>
-        </p:txBody>
-      </p:sp>
-      <p:sp>
-        <p:nvSpPr>
-          <p:cNvPr id="9" name="Content Placeholder 2">
-            <a:extLst>
-              <a:ext uri="{FF2B5EF4-FFF2-40B4-BE49-F238E27FC236}">
-                <a16:creationId xmlns:a16="http://schemas.microsoft.com/office/drawing/2014/main" id="{E3CA6EBC-B4F6-4394-AB80-9EDE2B3CC950}"/>
-              </a:ext>
-            </a:extLst>
-          </p:cNvPr>
-          <p:cNvSpPr>
-            <a:spLocks noGrp="1"/>
-          </p:cNvSpPr>
-          <p:nvPr>
-            <p:ph idx="1"/>
-          </p:nvPr>
-        </p:nvSpPr>
-        <p:spPr>
-          <a:xfrm>
-            <a:off x="1266980" y="1070260"/>
-            <a:ext cx="9509760" cy="824443"/>
-          </a:xfrm>
-        </p:spPr>
-        <p:txBody>
-          <a:bodyPr>
-            <a:normAutofit lnSpcReduction="10000"/>
-          </a:bodyPr>
-          <a:lstStyle/>
-          <a:p>
-            <a:r>
-              <a:rPr lang="en-US" dirty="0" err="1"/>
-              <a:t>Toghether</a:t>
-            </a:r>
-            <a:r>
-              <a:rPr lang="en-US" dirty="0"/>
-              <a:t> with the table showing the best matches and the top venues of each city, we provide a dashboard where the user can select a city from the recommended list, and the city and it’s venues will show in a map:</a:t>
-            </a:r>
-          </a:p>
-          <a:p>
-            <a:endParaRPr lang="en-US" dirty="0"/>
+              <a:t>The next step is to see if there are any cities that should be discarded because it has few sites. This may be because Foursquare has little data about a site, because we put the coordinates wrong (for example, we put the name of a country or region instead of a city) or that the place simply has few sites. An example of a misnomer is for example the place "Hawaii". However, when looking for the coordinates in geocoders, putting the name of Hawaii instead of the name of its capital (Honolulu) returned us a location far from any city.</a:t>
+            </a:r>
           </a:p>
         </p:txBody>
       </p:sp>
@@ -5555,683 +6399,7 @@
           <p:cNvPr id="4" name="Picture 3">
             <a:extLst>
               <a:ext uri="{FF2B5EF4-FFF2-40B4-BE49-F238E27FC236}">
-                <a16:creationId xmlns:a16="http://schemas.microsoft.com/office/drawing/2014/main" id="{DDDE0814-55F6-481D-93B1-9D3C4F308F16}"/>
-              </a:ext>
-            </a:extLst>
-          </p:cNvPr>
-          <p:cNvPicPr>
-            <a:picLocks noChangeAspect="1"/>
-          </p:cNvPicPr>
-          <p:nvPr/>
-        </p:nvPicPr>
-        <p:blipFill rotWithShape="1">
-          <a:blip r:embed="rId2"/>
-          <a:srcRect t="11044" b="15654"/>
-          <a:stretch/>
-        </p:blipFill>
-        <p:spPr>
-          <a:xfrm>
-            <a:off x="1266980" y="2158396"/>
-            <a:ext cx="9965858" cy="3629344"/>
-          </a:xfrm>
-          <a:prstGeom prst="rect">
-            <a:avLst/>
-          </a:prstGeom>
-        </p:spPr>
-      </p:pic>
-    </p:spTree>
-    <p:extLst>
-      <p:ext uri="{BB962C8B-B14F-4D97-AF65-F5344CB8AC3E}">
-        <p14:creationId xmlns:p14="http://schemas.microsoft.com/office/powerpoint/2010/main" val="1331632781"/>
-      </p:ext>
-    </p:extLst>
-  </p:cSld>
-  <p:clrMapOvr>
-    <a:masterClrMapping/>
-  </p:clrMapOvr>
-  <mc:AlternateContent xmlns:mc="http://schemas.openxmlformats.org/markup-compatibility/2006" xmlns:p14="http://schemas.microsoft.com/office/powerpoint/2010/main">
-    <mc:Choice Requires="p14">
-      <p:transition spd="med" p14:dur="700">
-        <p:fade/>
-      </p:transition>
-    </mc:Choice>
-    <mc:Fallback xmlns="">
-      <p:transition spd="med">
-        <p:fade/>
-      </p:transition>
-    </mc:Fallback>
-  </mc:AlternateContent>
-</p:sld>
-</file>
-
-<file path=ppt/slides/slide16.xml><?xml version="1.0" encoding="utf-8"?>
-<p:sld xmlns:a="http://schemas.openxmlformats.org/drawingml/2006/main" xmlns:r="http://schemas.openxmlformats.org/officeDocument/2006/relationships" xmlns:p="http://schemas.openxmlformats.org/presentationml/2006/main">
-  <p:cSld>
-    <p:spTree>
-      <p:nvGrpSpPr>
-        <p:cNvPr id="1" name=""/>
-        <p:cNvGrpSpPr/>
-        <p:nvPr/>
-      </p:nvGrpSpPr>
-      <p:grpSpPr>
-        <a:xfrm>
-          <a:off x="0" y="0"/>
-          <a:ext cx="0" cy="0"/>
-          <a:chOff x="0" y="0"/>
-          <a:chExt cx="0" cy="0"/>
-        </a:xfrm>
-      </p:grpSpPr>
-      <p:sp>
-        <p:nvSpPr>
-          <p:cNvPr id="2" name="Title 1"/>
-          <p:cNvSpPr>
-            <a:spLocks noGrp="1"/>
-          </p:cNvSpPr>
-          <p:nvPr>
-            <p:ph type="title"/>
-          </p:nvPr>
-        </p:nvSpPr>
-        <p:spPr/>
-        <p:txBody>
-          <a:bodyPr>
-            <a:normAutofit fontScale="90000"/>
-          </a:bodyPr>
-          <a:lstStyle/>
-          <a:p>
-            <a:pPr algn="ctr"/>
-            <a:r>
-              <a:rPr lang="en-US" dirty="0"/>
-              <a:t>Results, discussion and conclusion</a:t>
-            </a:r>
-            <a:br>
-              <a:rPr lang="en-US" dirty="0"/>
-            </a:br>
-            <a:endParaRPr lang="en-US" dirty="0"/>
-          </a:p>
-        </p:txBody>
-      </p:sp>
-      <p:sp>
-        <p:nvSpPr>
-          <p:cNvPr id="9" name="Content Placeholder 2">
-            <a:extLst>
-              <a:ext uri="{FF2B5EF4-FFF2-40B4-BE49-F238E27FC236}">
-                <a16:creationId xmlns:a16="http://schemas.microsoft.com/office/drawing/2014/main" id="{E3CA6EBC-B4F6-4394-AB80-9EDE2B3CC950}"/>
-              </a:ext>
-            </a:extLst>
-          </p:cNvPr>
-          <p:cNvSpPr>
-            <a:spLocks noGrp="1"/>
-          </p:cNvSpPr>
-          <p:nvPr>
-            <p:ph idx="1"/>
-          </p:nvPr>
-        </p:nvSpPr>
-        <p:spPr>
-          <a:xfrm>
-            <a:off x="1489402" y="1353312"/>
-            <a:ext cx="9509760" cy="4869221"/>
-          </a:xfrm>
-        </p:spPr>
-        <p:txBody>
-          <a:bodyPr>
-            <a:normAutofit/>
-          </a:bodyPr>
-          <a:lstStyle/>
-          <a:p>
-            <a:r>
-              <a:rPr lang="en-US" dirty="0"/>
-              <a:t>The result of this project is the recommended sites for a particular user.</a:t>
-            </a:r>
-          </a:p>
-          <a:p>
-            <a:r>
-              <a:rPr lang="en-US" dirty="0"/>
-              <a:t>As has been seen and explained, the scores entered clearly correspond to a person with little interest in big cities, someone who enjoys relaxing vacations much more, in quiet places and especially with the beach. We can see, as of the 15 recommended cities, except Dubai, the other cities are relatively quiet cities, and most are beach, so it seems that the algorithm works quite well, and the recommendations are good.</a:t>
-            </a:r>
-          </a:p>
-          <a:p>
-            <a:r>
-              <a:rPr lang="en-US" dirty="0"/>
-              <a:t>In conclusion, we can say that this program is a good tool when planning a vacation, since due to the wide range of places to go, and how quickly they all change, it is difficult to know where to go, and where you will find what you are looking for</a:t>
-            </a:r>
-          </a:p>
-          <a:p>
-            <a:endParaRPr lang="en-US" dirty="0"/>
-          </a:p>
-          <a:p>
-            <a:r>
-              <a:rPr lang="en-US" dirty="0"/>
-              <a:t>The final decision of where to go will be up to the client, but good recommendations are made.</a:t>
-            </a:r>
-          </a:p>
-        </p:txBody>
-      </p:sp>
-    </p:spTree>
-    <p:extLst>
-      <p:ext uri="{BB962C8B-B14F-4D97-AF65-F5344CB8AC3E}">
-        <p14:creationId xmlns:p14="http://schemas.microsoft.com/office/powerpoint/2010/main" val="1668426345"/>
-      </p:ext>
-    </p:extLst>
-  </p:cSld>
-  <p:clrMapOvr>
-    <a:masterClrMapping/>
-  </p:clrMapOvr>
-  <mc:AlternateContent xmlns:mc="http://schemas.openxmlformats.org/markup-compatibility/2006" xmlns:p14="http://schemas.microsoft.com/office/powerpoint/2010/main">
-    <mc:Choice Requires="p14">
-      <p:transition spd="med" p14:dur="700">
-        <p:fade/>
-      </p:transition>
-    </mc:Choice>
-    <mc:Fallback xmlns="">
-      <p:transition spd="med">
-        <p:fade/>
-      </p:transition>
-    </mc:Fallback>
-  </mc:AlternateContent>
-</p:sld>
-</file>
-
-<file path=ppt/slides/slide2.xml><?xml version="1.0" encoding="utf-8"?>
-<p:sld xmlns:a="http://schemas.openxmlformats.org/drawingml/2006/main" xmlns:r="http://schemas.openxmlformats.org/officeDocument/2006/relationships" xmlns:p="http://schemas.openxmlformats.org/presentationml/2006/main">
-  <p:cSld>
-    <p:spTree>
-      <p:nvGrpSpPr>
-        <p:cNvPr id="1" name=""/>
-        <p:cNvGrpSpPr/>
-        <p:nvPr/>
-      </p:nvGrpSpPr>
-      <p:grpSpPr>
-        <a:xfrm>
-          <a:off x="0" y="0"/>
-          <a:ext cx="0" cy="0"/>
-          <a:chOff x="0" y="0"/>
-          <a:chExt cx="0" cy="0"/>
-        </a:xfrm>
-      </p:grpSpPr>
-      <p:sp>
-        <p:nvSpPr>
-          <p:cNvPr id="2" name="Title 1"/>
-          <p:cNvSpPr>
-            <a:spLocks noGrp="1"/>
-          </p:cNvSpPr>
-          <p:nvPr>
-            <p:ph type="title"/>
-          </p:nvPr>
-        </p:nvSpPr>
-        <p:spPr/>
-        <p:txBody>
-          <a:bodyPr/>
-          <a:lstStyle/>
-          <a:p>
-            <a:r>
-              <a:rPr lang="en-US" dirty="0"/>
-              <a:t>Presentation content:</a:t>
-            </a:r>
-          </a:p>
-        </p:txBody>
-      </p:sp>
-      <p:sp>
-        <p:nvSpPr>
-          <p:cNvPr id="3" name="Content Placeholder 2"/>
-          <p:cNvSpPr>
-            <a:spLocks noGrp="1"/>
-          </p:cNvSpPr>
-          <p:nvPr>
-            <p:ph idx="1"/>
-          </p:nvPr>
-        </p:nvSpPr>
-        <p:spPr/>
-        <p:txBody>
-          <a:bodyPr/>
-          <a:lstStyle/>
-          <a:p>
-            <a:r>
-              <a:rPr lang="en-US" dirty="0"/>
-              <a:t>Introduction, background and problem </a:t>
-            </a:r>
-          </a:p>
-          <a:p>
-            <a:r>
-              <a:rPr lang="en-US" dirty="0"/>
-              <a:t>Data acquisition </a:t>
-            </a:r>
-          </a:p>
-          <a:p>
-            <a:r>
-              <a:rPr lang="en-US" dirty="0"/>
-              <a:t>Cities and features selection</a:t>
-            </a:r>
-          </a:p>
-          <a:p>
-            <a:r>
-              <a:rPr lang="en-US" dirty="0"/>
-              <a:t>Methodology</a:t>
-            </a:r>
-          </a:p>
-          <a:p>
-            <a:r>
-              <a:rPr lang="en-US" dirty="0"/>
-              <a:t>Analysis</a:t>
-            </a:r>
-          </a:p>
-          <a:p>
-            <a:r>
-              <a:rPr lang="en-US" dirty="0"/>
-              <a:t>Results, discussion and conclusion</a:t>
-            </a:r>
-          </a:p>
-        </p:txBody>
-      </p:sp>
-    </p:spTree>
-    <p:extLst>
-      <p:ext uri="{BB962C8B-B14F-4D97-AF65-F5344CB8AC3E}">
-        <p14:creationId xmlns:p14="http://schemas.microsoft.com/office/powerpoint/2010/main" val="3327456264"/>
-      </p:ext>
-    </p:extLst>
-  </p:cSld>
-  <p:clrMapOvr>
-    <a:masterClrMapping/>
-  </p:clrMapOvr>
-  <mc:AlternateContent xmlns:mc="http://schemas.openxmlformats.org/markup-compatibility/2006" xmlns:p14="http://schemas.microsoft.com/office/powerpoint/2010/main">
-    <mc:Choice Requires="p14">
-      <p:transition spd="med" p14:dur="700">
-        <p:fade/>
-      </p:transition>
-    </mc:Choice>
-    <mc:Fallback xmlns="">
-      <p:transition spd="med">
-        <p:fade/>
-      </p:transition>
-    </mc:Fallback>
-  </mc:AlternateContent>
-</p:sld>
-</file>
-
-<file path=ppt/slides/slide3.xml><?xml version="1.0" encoding="utf-8"?>
-<p:sld xmlns:a="http://schemas.openxmlformats.org/drawingml/2006/main" xmlns:r="http://schemas.openxmlformats.org/officeDocument/2006/relationships" xmlns:p="http://schemas.openxmlformats.org/presentationml/2006/main">
-  <p:cSld>
-    <p:spTree>
-      <p:nvGrpSpPr>
-        <p:cNvPr id="1" name=""/>
-        <p:cNvGrpSpPr/>
-        <p:nvPr/>
-      </p:nvGrpSpPr>
-      <p:grpSpPr>
-        <a:xfrm>
-          <a:off x="0" y="0"/>
-          <a:ext cx="0" cy="0"/>
-          <a:chOff x="0" y="0"/>
-          <a:chExt cx="0" cy="0"/>
-        </a:xfrm>
-      </p:grpSpPr>
-      <p:sp>
-        <p:nvSpPr>
-          <p:cNvPr id="2" name="Title 1"/>
-          <p:cNvSpPr>
-            <a:spLocks noGrp="1"/>
-          </p:cNvSpPr>
-          <p:nvPr>
-            <p:ph type="title"/>
-          </p:nvPr>
-        </p:nvSpPr>
-        <p:spPr>
-          <a:xfrm>
-            <a:off x="1341120" y="149847"/>
-            <a:ext cx="9509759" cy="1088136"/>
-          </a:xfrm>
-        </p:spPr>
-        <p:txBody>
-          <a:bodyPr/>
-          <a:lstStyle/>
-          <a:p>
-            <a:pPr algn="ctr"/>
-            <a:r>
-              <a:rPr lang="en-US" dirty="0"/>
-              <a:t>Introduction, background &amp; problem: </a:t>
-            </a:r>
-          </a:p>
-        </p:txBody>
-      </p:sp>
-      <p:sp>
-        <p:nvSpPr>
-          <p:cNvPr id="3" name="Content Placeholder 2"/>
-          <p:cNvSpPr>
-            <a:spLocks noGrp="1"/>
-          </p:cNvSpPr>
-          <p:nvPr>
-            <p:ph idx="1"/>
-          </p:nvPr>
-        </p:nvSpPr>
-        <p:spPr>
-          <a:xfrm>
-            <a:off x="1258742" y="1622195"/>
-            <a:ext cx="9509760" cy="4142232"/>
-          </a:xfrm>
-        </p:spPr>
-        <p:txBody>
-          <a:bodyPr/>
-          <a:lstStyle/>
-          <a:p>
-            <a:r>
-              <a:rPr lang="en-US" dirty="0"/>
-              <a:t>Most people go on vacation every year, spending an average of $1,536 for household in USA.</a:t>
-            </a:r>
-          </a:p>
-          <a:p>
-            <a:pPr marL="45720" indent="0">
-              <a:buNone/>
-            </a:pPr>
-            <a:endParaRPr lang="en-US" dirty="0"/>
-          </a:p>
-          <a:p>
-            <a:r>
-              <a:rPr lang="en-US" dirty="0"/>
-              <a:t>Lots of possible destinations, and impossibility of studying them all without wasting a lot of time.</a:t>
-            </a:r>
-          </a:p>
-          <a:p>
-            <a:pPr marL="45720" indent="0">
-              <a:buNone/>
-            </a:pPr>
-            <a:endParaRPr lang="en-US" dirty="0"/>
-          </a:p>
-          <a:p>
-            <a:r>
-              <a:rPr lang="en-US" dirty="0"/>
-              <a:t>Need for a beater solution, which tells the user which are the top destinations for him/her based on him/her past experiences. </a:t>
-            </a:r>
-          </a:p>
-        </p:txBody>
-      </p:sp>
-    </p:spTree>
-    <p:extLst>
-      <p:ext uri="{BB962C8B-B14F-4D97-AF65-F5344CB8AC3E}">
-        <p14:creationId xmlns:p14="http://schemas.microsoft.com/office/powerpoint/2010/main" val="1615182999"/>
-      </p:ext>
-    </p:extLst>
-  </p:cSld>
-  <p:clrMapOvr>
-    <a:masterClrMapping/>
-  </p:clrMapOvr>
-  <mc:AlternateContent xmlns:mc="http://schemas.openxmlformats.org/markup-compatibility/2006" xmlns:p14="http://schemas.microsoft.com/office/powerpoint/2010/main">
-    <mc:Choice Requires="p14">
-      <p:transition spd="med" p14:dur="700">
-        <p:fade/>
-      </p:transition>
-    </mc:Choice>
-    <mc:Fallback xmlns="">
-      <p:transition spd="med">
-        <p:fade/>
-      </p:transition>
-    </mc:Fallback>
-  </mc:AlternateContent>
-</p:sld>
-</file>
-
-<file path=ppt/slides/slide4.xml><?xml version="1.0" encoding="utf-8"?>
-<p:sld xmlns:a="http://schemas.openxmlformats.org/drawingml/2006/main" xmlns:r="http://schemas.openxmlformats.org/officeDocument/2006/relationships" xmlns:p="http://schemas.openxmlformats.org/presentationml/2006/main">
-  <p:cSld>
-    <p:spTree>
-      <p:nvGrpSpPr>
-        <p:cNvPr id="1" name=""/>
-        <p:cNvGrpSpPr/>
-        <p:nvPr/>
-      </p:nvGrpSpPr>
-      <p:grpSpPr>
-        <a:xfrm>
-          <a:off x="0" y="0"/>
-          <a:ext cx="0" cy="0"/>
-          <a:chOff x="0" y="0"/>
-          <a:chExt cx="0" cy="0"/>
-        </a:xfrm>
-      </p:grpSpPr>
-      <p:sp>
-        <p:nvSpPr>
-          <p:cNvPr id="2" name="Title 1"/>
-          <p:cNvSpPr>
-            <a:spLocks noGrp="1"/>
-          </p:cNvSpPr>
-          <p:nvPr>
-            <p:ph type="title"/>
-          </p:nvPr>
-        </p:nvSpPr>
-        <p:spPr>
-          <a:xfrm>
-            <a:off x="1341120" y="149847"/>
-            <a:ext cx="9509759" cy="1088136"/>
-          </a:xfrm>
-        </p:spPr>
-        <p:txBody>
-          <a:bodyPr/>
-          <a:lstStyle/>
-          <a:p>
-            <a:pPr algn="ctr"/>
-            <a:r>
-              <a:rPr lang="en-US" dirty="0"/>
-              <a:t>Data acquisition:</a:t>
-            </a:r>
-          </a:p>
-        </p:txBody>
-      </p:sp>
-      <p:sp>
-        <p:nvSpPr>
-          <p:cNvPr id="3" name="Content Placeholder 2"/>
-          <p:cNvSpPr>
-            <a:spLocks noGrp="1"/>
-          </p:cNvSpPr>
-          <p:nvPr>
-            <p:ph idx="1"/>
-          </p:nvPr>
-        </p:nvSpPr>
-        <p:spPr>
-          <a:xfrm>
-            <a:off x="1258742" y="1622195"/>
-            <a:ext cx="9509760" cy="4142232"/>
-          </a:xfrm>
-        </p:spPr>
-        <p:txBody>
-          <a:bodyPr/>
-          <a:lstStyle/>
-          <a:p>
-            <a:r>
-              <a:rPr lang="en-US" dirty="0"/>
-              <a:t>Data will be extracted from two main sources: </a:t>
-            </a:r>
-          </a:p>
-          <a:p>
-            <a:pPr lvl="1"/>
-            <a:r>
-              <a:rPr lang="en-US" dirty="0"/>
-              <a:t>Foursquare</a:t>
-            </a:r>
-          </a:p>
-          <a:p>
-            <a:pPr lvl="1"/>
-            <a:r>
-              <a:rPr lang="en-US" dirty="0" err="1"/>
-              <a:t>Geopy.geocoders</a:t>
-            </a:r>
-            <a:endParaRPr lang="en-US" dirty="0"/>
-          </a:p>
-          <a:p>
-            <a:pPr marL="45720" indent="0">
-              <a:buNone/>
-            </a:pPr>
-            <a:endParaRPr lang="en-US" dirty="0"/>
-          </a:p>
-        </p:txBody>
-      </p:sp>
-      <p:pic>
-        <p:nvPicPr>
-          <p:cNvPr id="1026" name="Picture 2" descr="Resultado de imagen de Geopy.geocoders">
-            <a:extLst>
-              <a:ext uri="{FF2B5EF4-FFF2-40B4-BE49-F238E27FC236}">
-                <a16:creationId xmlns:a16="http://schemas.microsoft.com/office/drawing/2014/main" id="{305AC879-CE14-436E-9B02-5A2565A149CA}"/>
-              </a:ext>
-            </a:extLst>
-          </p:cNvPr>
-          <p:cNvPicPr>
-            <a:picLocks noChangeAspect="1" noChangeArrowheads="1"/>
-          </p:cNvPicPr>
-          <p:nvPr/>
-        </p:nvPicPr>
-        <p:blipFill>
-          <a:blip r:embed="rId2">
-            <a:extLst>
-              <a:ext uri="{28A0092B-C50C-407E-A947-70E740481C1C}">
-                <a14:useLocalDpi xmlns:a14="http://schemas.microsoft.com/office/drawing/2010/main" val="0"/>
-              </a:ext>
-            </a:extLst>
-          </a:blip>
-          <a:srcRect/>
-          <a:stretch>
-            <a:fillRect/>
-          </a:stretch>
-        </p:blipFill>
-        <p:spPr bwMode="auto">
-          <a:xfrm>
-            <a:off x="6301946" y="3231209"/>
-            <a:ext cx="5210894" cy="2606804"/>
-          </a:xfrm>
-          <a:prstGeom prst="rect">
-            <a:avLst/>
-          </a:prstGeom>
-          <a:noFill/>
-          <a:extLst>
-            <a:ext uri="{909E8E84-426E-40DD-AFC4-6F175D3DCCD1}">
-              <a14:hiddenFill xmlns:a14="http://schemas.microsoft.com/office/drawing/2010/main">
-                <a:solidFill>
-                  <a:srgbClr val="FFFFFF"/>
-                </a:solidFill>
-              </a14:hiddenFill>
-            </a:ext>
-          </a:extLst>
-        </p:spPr>
-      </p:pic>
-      <p:pic>
-        <p:nvPicPr>
-          <p:cNvPr id="1028" name="Picture 4" descr="Resultado de imagen de foursquare">
-            <a:extLst>
-              <a:ext uri="{FF2B5EF4-FFF2-40B4-BE49-F238E27FC236}">
-                <a16:creationId xmlns:a16="http://schemas.microsoft.com/office/drawing/2014/main" id="{7C55CA51-CB67-45AC-81F1-9A731638445A}"/>
-              </a:ext>
-            </a:extLst>
-          </p:cNvPr>
-          <p:cNvPicPr>
-            <a:picLocks noChangeAspect="1" noChangeArrowheads="1"/>
-          </p:cNvPicPr>
-          <p:nvPr/>
-        </p:nvPicPr>
-        <p:blipFill>
-          <a:blip r:embed="rId3">
-            <a:extLst>
-              <a:ext uri="{28A0092B-C50C-407E-A947-70E740481C1C}">
-                <a14:useLocalDpi xmlns:a14="http://schemas.microsoft.com/office/drawing/2010/main" val="0"/>
-              </a:ext>
-            </a:extLst>
-          </a:blip>
-          <a:srcRect/>
-          <a:stretch>
-            <a:fillRect/>
-          </a:stretch>
-        </p:blipFill>
-        <p:spPr bwMode="auto">
-          <a:xfrm>
-            <a:off x="1423498" y="3231209"/>
-            <a:ext cx="3445063" cy="2304747"/>
-          </a:xfrm>
-          <a:prstGeom prst="rect">
-            <a:avLst/>
-          </a:prstGeom>
-          <a:noFill/>
-          <a:extLst>
-            <a:ext uri="{909E8E84-426E-40DD-AFC4-6F175D3DCCD1}">
-              <a14:hiddenFill xmlns:a14="http://schemas.microsoft.com/office/drawing/2010/main">
-                <a:solidFill>
-                  <a:srgbClr val="FFFFFF"/>
-                </a:solidFill>
-              </a14:hiddenFill>
-            </a:ext>
-          </a:extLst>
-        </p:spPr>
-      </p:pic>
-    </p:spTree>
-    <p:extLst>
-      <p:ext uri="{BB962C8B-B14F-4D97-AF65-F5344CB8AC3E}">
-        <p14:creationId xmlns:p14="http://schemas.microsoft.com/office/powerpoint/2010/main" val="785178988"/>
-      </p:ext>
-    </p:extLst>
-  </p:cSld>
-  <p:clrMapOvr>
-    <a:masterClrMapping/>
-  </p:clrMapOvr>
-  <mc:AlternateContent xmlns:mc="http://schemas.openxmlformats.org/markup-compatibility/2006" xmlns:p14="http://schemas.microsoft.com/office/powerpoint/2010/main">
-    <mc:Choice Requires="p14">
-      <p:transition spd="med" p14:dur="700">
-        <p:fade/>
-      </p:transition>
-    </mc:Choice>
-    <mc:Fallback xmlns="">
-      <p:transition spd="med">
-        <p:fade/>
-      </p:transition>
-    </mc:Fallback>
-  </mc:AlternateContent>
-</p:sld>
-</file>
-
-<file path=ppt/slides/slide5.xml><?xml version="1.0" encoding="utf-8"?>
-<p:sld xmlns:a="http://schemas.openxmlformats.org/drawingml/2006/main" xmlns:r="http://schemas.openxmlformats.org/officeDocument/2006/relationships" xmlns:p="http://schemas.openxmlformats.org/presentationml/2006/main">
-  <p:cSld>
-    <p:spTree>
-      <p:nvGrpSpPr>
-        <p:cNvPr id="1" name=""/>
-        <p:cNvGrpSpPr/>
-        <p:nvPr/>
-      </p:nvGrpSpPr>
-      <p:grpSpPr>
-        <a:xfrm>
-          <a:off x="0" y="0"/>
-          <a:ext cx="0" cy="0"/>
-          <a:chOff x="0" y="0"/>
-          <a:chExt cx="0" cy="0"/>
-        </a:xfrm>
-      </p:grpSpPr>
-      <p:sp>
-        <p:nvSpPr>
-          <p:cNvPr id="2" name="Title 1"/>
-          <p:cNvSpPr>
-            <a:spLocks noGrp="1"/>
-          </p:cNvSpPr>
-          <p:nvPr>
-            <p:ph type="title"/>
-          </p:nvPr>
-        </p:nvSpPr>
-        <p:spPr/>
-        <p:txBody>
-          <a:bodyPr>
-            <a:normAutofit fontScale="90000"/>
-          </a:bodyPr>
-          <a:lstStyle/>
-          <a:p>
-            <a:pPr algn="ctr"/>
-            <a:r>
-              <a:rPr lang="en-US" dirty="0"/>
-              <a:t>Cities and features selection</a:t>
-            </a:r>
-            <a:br>
-              <a:rPr lang="en-US" dirty="0"/>
-            </a:br>
-            <a:endParaRPr lang="en-US" dirty="0"/>
-          </a:p>
-        </p:txBody>
-      </p:sp>
-      <p:pic>
-        <p:nvPicPr>
-          <p:cNvPr id="6" name="Picture 5">
-            <a:extLst>
-              <a:ext uri="{FF2B5EF4-FFF2-40B4-BE49-F238E27FC236}">
-                <a16:creationId xmlns:a16="http://schemas.microsoft.com/office/drawing/2014/main" id="{2103FF8A-DAC7-4355-BDA0-EA5EFF06CE3B}"/>
+                <a16:creationId xmlns:a16="http://schemas.microsoft.com/office/drawing/2014/main" id="{8A72DE58-7221-4F9F-9E58-9B166B7E056D}"/>
               </a:ext>
             </a:extLst>
           </p:cNvPr>
@@ -6248,8 +6416,8 @@
         </p:blipFill>
         <p:spPr>
           <a:xfrm>
-            <a:off x="1754660" y="1527651"/>
-            <a:ext cx="8147925" cy="3802697"/>
+            <a:off x="2405449" y="2863849"/>
+            <a:ext cx="7026876" cy="3457740"/>
           </a:xfrm>
           <a:prstGeom prst="rect">
             <a:avLst/>
@@ -6258,43 +6426,10 @@
       </p:pic>
       <p:sp>
         <p:nvSpPr>
-          <p:cNvPr id="9" name="Content Placeholder 2">
+          <p:cNvPr id="5" name="Content Placeholder 2">
             <a:extLst>
               <a:ext uri="{FF2B5EF4-FFF2-40B4-BE49-F238E27FC236}">
-                <a16:creationId xmlns:a16="http://schemas.microsoft.com/office/drawing/2014/main" id="{E3CA6EBC-B4F6-4394-AB80-9EDE2B3CC950}"/>
-              </a:ext>
-            </a:extLst>
-          </p:cNvPr>
-          <p:cNvSpPr>
-            <a:spLocks noGrp="1"/>
-          </p:cNvSpPr>
-          <p:nvPr>
-            <p:ph idx="1"/>
-          </p:nvPr>
-        </p:nvSpPr>
-        <p:spPr>
-          <a:xfrm>
-            <a:off x="1266980" y="1070260"/>
-            <a:ext cx="9509760" cy="457391"/>
-          </a:xfrm>
-        </p:spPr>
-        <p:txBody>
-          <a:bodyPr/>
-          <a:lstStyle/>
-          <a:p>
-            <a:r>
-              <a:rPr lang="en-US" dirty="0"/>
-              <a:t>We will use a total of 100 cities as vacation candidates, which are: </a:t>
-            </a:r>
-          </a:p>
-        </p:txBody>
-      </p:sp>
-      <p:sp>
-        <p:nvSpPr>
-          <p:cNvPr id="10" name="Content Placeholder 2">
-            <a:extLst>
-              <a:ext uri="{FF2B5EF4-FFF2-40B4-BE49-F238E27FC236}">
-                <a16:creationId xmlns:a16="http://schemas.microsoft.com/office/drawing/2014/main" id="{BEDC8CFF-FB63-477A-9BD1-02A828D97238}"/>
+                <a16:creationId xmlns:a16="http://schemas.microsoft.com/office/drawing/2014/main" id="{DFF1211E-C0D0-4C2D-9FC0-050C5D8632EE}"/>
               </a:ext>
             </a:extLst>
           </p:cNvPr>
@@ -6305,8 +6440,8 @@
         </p:nvSpPr>
         <p:spPr>
           <a:xfrm>
-            <a:off x="836491" y="5748362"/>
-            <a:ext cx="10014388" cy="899421"/>
+            <a:off x="1341119" y="6420735"/>
+            <a:ext cx="9509760" cy="2358740"/>
           </a:xfrm>
           <a:prstGeom prst="rect">
             <a:avLst/>
@@ -6508,10 +6643,9 @@
             </a:lvl9pPr>
           </a:lstStyle>
           <a:p>
-            <a:pPr algn="ctr"/>
-            <a:r>
-              <a:rPr lang="en-US" dirty="0"/>
-              <a:t>For the features, we will use the total number of venues of each category a city has. We will search for venues from a total of 100 different categories</a:t>
+            <a:r>
+              <a:rPr lang="en-US" sz="2400" dirty="0"/>
+              <a:t>After dropping invalid places we have 78 places left. </a:t>
             </a:r>
           </a:p>
         </p:txBody>
@@ -6519,640 +6653,7 @@
     </p:spTree>
     <p:extLst>
       <p:ext uri="{BB962C8B-B14F-4D97-AF65-F5344CB8AC3E}">
-        <p14:creationId xmlns:p14="http://schemas.microsoft.com/office/powerpoint/2010/main" val="2578687163"/>
-      </p:ext>
-    </p:extLst>
-  </p:cSld>
-  <p:clrMapOvr>
-    <a:masterClrMapping/>
-  </p:clrMapOvr>
-  <mc:AlternateContent xmlns:mc="http://schemas.openxmlformats.org/markup-compatibility/2006" xmlns:p14="http://schemas.microsoft.com/office/powerpoint/2010/main">
-    <mc:Choice Requires="p14">
-      <p:transition spd="med" p14:dur="700">
-        <p:fade/>
-      </p:transition>
-    </mc:Choice>
-    <mc:Fallback xmlns="">
-      <p:transition spd="med">
-        <p:fade/>
-      </p:transition>
-    </mc:Fallback>
-  </mc:AlternateContent>
-</p:sld>
-</file>
-
-<file path=ppt/slides/slide6.xml><?xml version="1.0" encoding="utf-8"?>
-<p:sld xmlns:a="http://schemas.openxmlformats.org/drawingml/2006/main" xmlns:r="http://schemas.openxmlformats.org/officeDocument/2006/relationships" xmlns:p="http://schemas.openxmlformats.org/presentationml/2006/main">
-  <p:cSld>
-    <p:spTree>
-      <p:nvGrpSpPr>
-        <p:cNvPr id="1" name=""/>
-        <p:cNvGrpSpPr/>
-        <p:nvPr/>
-      </p:nvGrpSpPr>
-      <p:grpSpPr>
-        <a:xfrm>
-          <a:off x="0" y="0"/>
-          <a:ext cx="0" cy="0"/>
-          <a:chOff x="0" y="0"/>
-          <a:chExt cx="0" cy="0"/>
-        </a:xfrm>
-      </p:grpSpPr>
-      <p:sp>
-        <p:nvSpPr>
-          <p:cNvPr id="2" name="Title 1"/>
-          <p:cNvSpPr>
-            <a:spLocks noGrp="1"/>
-          </p:cNvSpPr>
-          <p:nvPr>
-            <p:ph type="title"/>
-          </p:nvPr>
-        </p:nvSpPr>
-        <p:spPr/>
-        <p:txBody>
-          <a:bodyPr>
-            <a:normAutofit fontScale="90000"/>
-          </a:bodyPr>
-          <a:lstStyle/>
-          <a:p>
-            <a:pPr algn="ctr"/>
-            <a:r>
-              <a:rPr lang="en-US" dirty="0"/>
-              <a:t>Cities and features selection</a:t>
-            </a:r>
-            <a:br>
-              <a:rPr lang="en-US" dirty="0"/>
-            </a:br>
-            <a:endParaRPr lang="en-US" dirty="0"/>
-          </a:p>
-        </p:txBody>
-      </p:sp>
-      <p:pic>
-        <p:nvPicPr>
-          <p:cNvPr id="6" name="Picture 5">
-            <a:extLst>
-              <a:ext uri="{FF2B5EF4-FFF2-40B4-BE49-F238E27FC236}">
-                <a16:creationId xmlns:a16="http://schemas.microsoft.com/office/drawing/2014/main" id="{2103FF8A-DAC7-4355-BDA0-EA5EFF06CE3B}"/>
-              </a:ext>
-            </a:extLst>
-          </p:cNvPr>
-          <p:cNvPicPr>
-            <a:picLocks noChangeAspect="1"/>
-          </p:cNvPicPr>
-          <p:nvPr/>
-        </p:nvPicPr>
-        <p:blipFill>
-          <a:blip r:embed="rId2"/>
-          <a:stretch>
-            <a:fillRect/>
-          </a:stretch>
-        </p:blipFill>
-        <p:spPr>
-          <a:xfrm>
-            <a:off x="1754660" y="1527651"/>
-            <a:ext cx="8147925" cy="3802697"/>
-          </a:xfrm>
-          <a:prstGeom prst="rect">
-            <a:avLst/>
-          </a:prstGeom>
-        </p:spPr>
-      </p:pic>
-      <p:sp>
-        <p:nvSpPr>
-          <p:cNvPr id="9" name="Content Placeholder 2">
-            <a:extLst>
-              <a:ext uri="{FF2B5EF4-FFF2-40B4-BE49-F238E27FC236}">
-                <a16:creationId xmlns:a16="http://schemas.microsoft.com/office/drawing/2014/main" id="{E3CA6EBC-B4F6-4394-AB80-9EDE2B3CC950}"/>
-              </a:ext>
-            </a:extLst>
-          </p:cNvPr>
-          <p:cNvSpPr>
-            <a:spLocks noGrp="1"/>
-          </p:cNvSpPr>
-          <p:nvPr>
-            <p:ph idx="1"/>
-          </p:nvPr>
-        </p:nvSpPr>
-        <p:spPr>
-          <a:xfrm>
-            <a:off x="1266980" y="1070260"/>
-            <a:ext cx="9509760" cy="457391"/>
-          </a:xfrm>
-        </p:spPr>
-        <p:txBody>
-          <a:bodyPr/>
-          <a:lstStyle/>
-          <a:p>
-            <a:r>
-              <a:rPr lang="en-US" dirty="0"/>
-              <a:t>We will use a total of 100 cities as vacation candidates, which are: </a:t>
-            </a:r>
-          </a:p>
-        </p:txBody>
-      </p:sp>
-      <p:sp>
-        <p:nvSpPr>
-          <p:cNvPr id="10" name="Content Placeholder 2">
-            <a:extLst>
-              <a:ext uri="{FF2B5EF4-FFF2-40B4-BE49-F238E27FC236}">
-                <a16:creationId xmlns:a16="http://schemas.microsoft.com/office/drawing/2014/main" id="{BEDC8CFF-FB63-477A-9BD1-02A828D97238}"/>
-              </a:ext>
-            </a:extLst>
-          </p:cNvPr>
-          <p:cNvSpPr txBox="1">
-            <a:spLocks/>
-          </p:cNvSpPr>
-          <p:nvPr/>
-        </p:nvSpPr>
-        <p:spPr>
-          <a:xfrm>
-            <a:off x="836491" y="5748362"/>
-            <a:ext cx="10014388" cy="899421"/>
-          </a:xfrm>
-          <a:prstGeom prst="rect">
-            <a:avLst/>
-          </a:prstGeom>
-        </p:spPr>
-        <p:txBody>
-          <a:bodyPr vert="horz" lIns="91440" tIns="45720" rIns="91440" bIns="45720" rtlCol="0">
-            <a:normAutofit/>
-          </a:bodyPr>
-          <a:lstStyle>
-            <a:lvl1pPr marL="274320" indent="-228600" algn="l" defTabSz="914400" rtl="0" eaLnBrk="1" latinLnBrk="0" hangingPunct="1">
-              <a:lnSpc>
-                <a:spcPct val="90000"/>
-              </a:lnSpc>
-              <a:spcBef>
-                <a:spcPts val="1800"/>
-              </a:spcBef>
-              <a:buSzPct val="100000"/>
-              <a:buFont typeface="Arial" pitchFamily="34" charset="0"/>
-              <a:buChar char="•"/>
-              <a:defRPr sz="2000" kern="1200">
-                <a:solidFill>
-                  <a:schemeClr val="accent2">
-                    <a:lumMod val="50000"/>
-                  </a:schemeClr>
-                </a:solidFill>
-                <a:latin typeface="+mn-lt"/>
-                <a:ea typeface="+mn-ea"/>
-                <a:cs typeface="+mn-cs"/>
-              </a:defRPr>
-            </a:lvl1pPr>
-            <a:lvl2pPr marL="548640" indent="-228600" algn="l" defTabSz="914400" rtl="0" eaLnBrk="1" latinLnBrk="0" hangingPunct="1">
-              <a:lnSpc>
-                <a:spcPct val="90000"/>
-              </a:lnSpc>
-              <a:spcBef>
-                <a:spcPts val="1000"/>
-              </a:spcBef>
-              <a:buSzPct val="100000"/>
-              <a:buFont typeface="Arial" pitchFamily="34" charset="0"/>
-              <a:buChar char="•"/>
-              <a:defRPr sz="1800" kern="1200">
-                <a:solidFill>
-                  <a:schemeClr val="accent2">
-                    <a:lumMod val="50000"/>
-                  </a:schemeClr>
-                </a:solidFill>
-                <a:latin typeface="+mn-lt"/>
-                <a:ea typeface="+mn-ea"/>
-                <a:cs typeface="+mn-cs"/>
-              </a:defRPr>
-            </a:lvl2pPr>
-            <a:lvl3pPr marL="822960" indent="-228600" algn="l" defTabSz="914400" rtl="0" eaLnBrk="1" latinLnBrk="0" hangingPunct="1">
-              <a:lnSpc>
-                <a:spcPct val="90000"/>
-              </a:lnSpc>
-              <a:spcBef>
-                <a:spcPts val="800"/>
-              </a:spcBef>
-              <a:buSzPct val="100000"/>
-              <a:buFont typeface="Arial" pitchFamily="34" charset="0"/>
-              <a:buChar char="•"/>
-              <a:defRPr sz="1600" kern="1200">
-                <a:solidFill>
-                  <a:schemeClr val="accent2">
-                    <a:lumMod val="50000"/>
-                  </a:schemeClr>
-                </a:solidFill>
-                <a:latin typeface="+mn-lt"/>
-                <a:ea typeface="+mn-ea"/>
-                <a:cs typeface="+mn-cs"/>
-              </a:defRPr>
-            </a:lvl3pPr>
-            <a:lvl4pPr marL="1097280" indent="-228600" algn="l" defTabSz="914400" rtl="0" eaLnBrk="1" latinLnBrk="0" hangingPunct="1">
-              <a:lnSpc>
-                <a:spcPct val="90000"/>
-              </a:lnSpc>
-              <a:spcBef>
-                <a:spcPts val="800"/>
-              </a:spcBef>
-              <a:buSzPct val="100000"/>
-              <a:buFont typeface="Arial" pitchFamily="34" charset="0"/>
-              <a:buChar char="•"/>
-              <a:defRPr sz="1400" kern="1200">
-                <a:solidFill>
-                  <a:schemeClr val="accent2">
-                    <a:lumMod val="50000"/>
-                  </a:schemeClr>
-                </a:solidFill>
-                <a:latin typeface="+mn-lt"/>
-                <a:ea typeface="+mn-ea"/>
-                <a:cs typeface="+mn-cs"/>
-              </a:defRPr>
-            </a:lvl4pPr>
-            <a:lvl5pPr marL="1371600" indent="-228600" algn="l" defTabSz="914400" rtl="0" eaLnBrk="1" latinLnBrk="0" hangingPunct="1">
-              <a:lnSpc>
-                <a:spcPct val="90000"/>
-              </a:lnSpc>
-              <a:spcBef>
-                <a:spcPts val="800"/>
-              </a:spcBef>
-              <a:buSzPct val="100000"/>
-              <a:buFont typeface="Arial" pitchFamily="34" charset="0"/>
-              <a:buChar char="•"/>
-              <a:defRPr sz="1400" kern="1200">
-                <a:solidFill>
-                  <a:schemeClr val="accent2">
-                    <a:lumMod val="50000"/>
-                  </a:schemeClr>
-                </a:solidFill>
-                <a:latin typeface="+mn-lt"/>
-                <a:ea typeface="+mn-ea"/>
-                <a:cs typeface="+mn-cs"/>
-              </a:defRPr>
-            </a:lvl5pPr>
-            <a:lvl6pPr marL="1645920" indent="-228600" algn="l" defTabSz="914400" rtl="0" eaLnBrk="1" latinLnBrk="0" hangingPunct="1">
-              <a:lnSpc>
-                <a:spcPct val="90000"/>
-              </a:lnSpc>
-              <a:spcBef>
-                <a:spcPts val="800"/>
-              </a:spcBef>
-              <a:buSzPct val="100000"/>
-              <a:buFont typeface="Arial" pitchFamily="34" charset="0"/>
-              <a:buChar char="•"/>
-              <a:defRPr sz="1400" kern="1200">
-                <a:solidFill>
-                  <a:schemeClr val="accent2">
-                    <a:lumMod val="50000"/>
-                  </a:schemeClr>
-                </a:solidFill>
-                <a:latin typeface="+mn-lt"/>
-                <a:ea typeface="+mn-ea"/>
-                <a:cs typeface="+mn-cs"/>
-              </a:defRPr>
-            </a:lvl6pPr>
-            <a:lvl7pPr marL="1920240" indent="-228600" algn="l" defTabSz="914400" rtl="0" eaLnBrk="1" latinLnBrk="0" hangingPunct="1">
-              <a:lnSpc>
-                <a:spcPct val="90000"/>
-              </a:lnSpc>
-              <a:spcBef>
-                <a:spcPts val="800"/>
-              </a:spcBef>
-              <a:buSzPct val="100000"/>
-              <a:buFont typeface="Arial" pitchFamily="34" charset="0"/>
-              <a:buChar char="•"/>
-              <a:defRPr sz="1400" kern="1200">
-                <a:solidFill>
-                  <a:schemeClr val="accent2">
-                    <a:lumMod val="50000"/>
-                  </a:schemeClr>
-                </a:solidFill>
-                <a:latin typeface="+mn-lt"/>
-                <a:ea typeface="+mn-ea"/>
-                <a:cs typeface="+mn-cs"/>
-              </a:defRPr>
-            </a:lvl7pPr>
-            <a:lvl8pPr marL="2194560" indent="-228600" algn="l" defTabSz="914400" rtl="0" eaLnBrk="1" latinLnBrk="0" hangingPunct="1">
-              <a:lnSpc>
-                <a:spcPct val="90000"/>
-              </a:lnSpc>
-              <a:spcBef>
-                <a:spcPts val="800"/>
-              </a:spcBef>
-              <a:buSzPct val="100000"/>
-              <a:buFont typeface="Arial" pitchFamily="34" charset="0"/>
-              <a:buChar char="•"/>
-              <a:defRPr sz="1400" kern="1200">
-                <a:solidFill>
-                  <a:schemeClr val="accent2">
-                    <a:lumMod val="50000"/>
-                  </a:schemeClr>
-                </a:solidFill>
-                <a:latin typeface="+mn-lt"/>
-                <a:ea typeface="+mn-ea"/>
-                <a:cs typeface="+mn-cs"/>
-              </a:defRPr>
-            </a:lvl8pPr>
-            <a:lvl9pPr marL="2240280" indent="0" algn="l" defTabSz="914400" rtl="0" eaLnBrk="1" latinLnBrk="0" hangingPunct="1">
-              <a:lnSpc>
-                <a:spcPct val="90000"/>
-              </a:lnSpc>
-              <a:spcBef>
-                <a:spcPts val="800"/>
-              </a:spcBef>
-              <a:buSzPct val="100000"/>
-              <a:buFont typeface="Arial" pitchFamily="34" charset="0"/>
-              <a:buNone/>
-              <a:defRPr sz="1400" kern="1200">
-                <a:solidFill>
-                  <a:schemeClr val="accent2">
-                    <a:lumMod val="50000"/>
-                  </a:schemeClr>
-                </a:solidFill>
-                <a:latin typeface="+mn-lt"/>
-                <a:ea typeface="+mn-ea"/>
-                <a:cs typeface="+mn-cs"/>
-              </a:defRPr>
-            </a:lvl9pPr>
-          </a:lstStyle>
-          <a:p>
-            <a:pPr algn="ctr"/>
-            <a:r>
-              <a:rPr lang="en-US" dirty="0"/>
-              <a:t>For the features, we will use the total number of venues of each category a city has. We will search for venues from a total of 100 different categories</a:t>
-            </a:r>
-          </a:p>
-        </p:txBody>
-      </p:sp>
-    </p:spTree>
-    <p:extLst>
-      <p:ext uri="{BB962C8B-B14F-4D97-AF65-F5344CB8AC3E}">
-        <p14:creationId xmlns:p14="http://schemas.microsoft.com/office/powerpoint/2010/main" val="1796920792"/>
-      </p:ext>
-    </p:extLst>
-  </p:cSld>
-  <p:clrMapOvr>
-    <a:masterClrMapping/>
-  </p:clrMapOvr>
-  <mc:AlternateContent xmlns:mc="http://schemas.openxmlformats.org/markup-compatibility/2006" xmlns:p14="http://schemas.microsoft.com/office/powerpoint/2010/main">
-    <mc:Choice Requires="p14">
-      <p:transition spd="med" p14:dur="700">
-        <p:fade/>
-      </p:transition>
-    </mc:Choice>
-    <mc:Fallback xmlns="">
-      <p:transition spd="med">
-        <p:fade/>
-      </p:transition>
-    </mc:Fallback>
-  </mc:AlternateContent>
-</p:sld>
-</file>
-
-<file path=ppt/slides/slide7.xml><?xml version="1.0" encoding="utf-8"?>
-<p:sld xmlns:a="http://schemas.openxmlformats.org/drawingml/2006/main" xmlns:r="http://schemas.openxmlformats.org/officeDocument/2006/relationships" xmlns:p="http://schemas.openxmlformats.org/presentationml/2006/main">
-  <p:cSld>
-    <p:spTree>
-      <p:nvGrpSpPr>
-        <p:cNvPr id="1" name=""/>
-        <p:cNvGrpSpPr/>
-        <p:nvPr/>
-      </p:nvGrpSpPr>
-      <p:grpSpPr>
-        <a:xfrm>
-          <a:off x="0" y="0"/>
-          <a:ext cx="0" cy="0"/>
-          <a:chOff x="0" y="0"/>
-          <a:chExt cx="0" cy="0"/>
-        </a:xfrm>
-      </p:grpSpPr>
-      <p:sp>
-        <p:nvSpPr>
-          <p:cNvPr id="2" name="Title 1"/>
-          <p:cNvSpPr>
-            <a:spLocks noGrp="1"/>
-          </p:cNvSpPr>
-          <p:nvPr>
-            <p:ph type="title"/>
-          </p:nvPr>
-        </p:nvSpPr>
-        <p:spPr/>
-        <p:txBody>
-          <a:bodyPr>
-            <a:normAutofit fontScale="90000"/>
-          </a:bodyPr>
-          <a:lstStyle/>
-          <a:p>
-            <a:pPr algn="ctr"/>
-            <a:r>
-              <a:rPr lang="en-US" dirty="0"/>
-              <a:t>Methodology</a:t>
-            </a:r>
-            <a:br>
-              <a:rPr lang="en-US" dirty="0"/>
-            </a:br>
-            <a:endParaRPr lang="en-US" dirty="0"/>
-          </a:p>
-        </p:txBody>
-      </p:sp>
-      <p:sp>
-        <p:nvSpPr>
-          <p:cNvPr id="9" name="Content Placeholder 2">
-            <a:extLst>
-              <a:ext uri="{FF2B5EF4-FFF2-40B4-BE49-F238E27FC236}">
-                <a16:creationId xmlns:a16="http://schemas.microsoft.com/office/drawing/2014/main" id="{E3CA6EBC-B4F6-4394-AB80-9EDE2B3CC950}"/>
-              </a:ext>
-            </a:extLst>
-          </p:cNvPr>
-          <p:cNvSpPr>
-            <a:spLocks noGrp="1"/>
-          </p:cNvSpPr>
-          <p:nvPr>
-            <p:ph idx="1"/>
-          </p:nvPr>
-        </p:nvSpPr>
-        <p:spPr>
-          <a:xfrm>
-            <a:off x="1266980" y="1070260"/>
-            <a:ext cx="9509760" cy="824443"/>
-          </a:xfrm>
-        </p:spPr>
-        <p:txBody>
-          <a:bodyPr>
-            <a:normAutofit/>
-          </a:bodyPr>
-          <a:lstStyle/>
-          <a:p>
-            <a:r>
-              <a:rPr lang="en-US" dirty="0"/>
-              <a:t>We will search for every feature of every city, and save the returned venues from the foursquare API. We will have a table like this:</a:t>
-            </a:r>
-          </a:p>
-        </p:txBody>
-      </p:sp>
-      <p:pic>
-        <p:nvPicPr>
-          <p:cNvPr id="4" name="Picture 3">
-            <a:extLst>
-              <a:ext uri="{FF2B5EF4-FFF2-40B4-BE49-F238E27FC236}">
-                <a16:creationId xmlns:a16="http://schemas.microsoft.com/office/drawing/2014/main" id="{C9EA7923-DC57-4FAB-9D61-16F58699B5FF}"/>
-              </a:ext>
-            </a:extLst>
-          </p:cNvPr>
-          <p:cNvPicPr>
-            <a:picLocks noChangeAspect="1"/>
-          </p:cNvPicPr>
-          <p:nvPr/>
-        </p:nvPicPr>
-        <p:blipFill>
-          <a:blip r:embed="rId2"/>
-          <a:stretch>
-            <a:fillRect/>
-          </a:stretch>
-        </p:blipFill>
-        <p:spPr>
-          <a:xfrm>
-            <a:off x="3506615" y="2121205"/>
-            <a:ext cx="5178768" cy="3105112"/>
-          </a:xfrm>
-          <a:prstGeom prst="rect">
-            <a:avLst/>
-          </a:prstGeom>
-        </p:spPr>
-      </p:pic>
-    </p:spTree>
-    <p:extLst>
-      <p:ext uri="{BB962C8B-B14F-4D97-AF65-F5344CB8AC3E}">
-        <p14:creationId xmlns:p14="http://schemas.microsoft.com/office/powerpoint/2010/main" val="1529018523"/>
-      </p:ext>
-    </p:extLst>
-  </p:cSld>
-  <p:clrMapOvr>
-    <a:masterClrMapping/>
-  </p:clrMapOvr>
-  <mc:AlternateContent xmlns:mc="http://schemas.openxmlformats.org/markup-compatibility/2006" xmlns:p14="http://schemas.microsoft.com/office/powerpoint/2010/main">
-    <mc:Choice Requires="p14">
-      <p:transition spd="med" p14:dur="700">
-        <p:fade/>
-      </p:transition>
-    </mc:Choice>
-    <mc:Fallback xmlns="">
-      <p:transition spd="med">
-        <p:fade/>
-      </p:transition>
-    </mc:Fallback>
-  </mc:AlternateContent>
-</p:sld>
-</file>
-
-<file path=ppt/slides/slide8.xml><?xml version="1.0" encoding="utf-8"?>
-<p:sld xmlns:a="http://schemas.openxmlformats.org/drawingml/2006/main" xmlns:r="http://schemas.openxmlformats.org/officeDocument/2006/relationships" xmlns:p="http://schemas.openxmlformats.org/presentationml/2006/main">
-  <p:cSld>
-    <p:spTree>
-      <p:nvGrpSpPr>
-        <p:cNvPr id="1" name=""/>
-        <p:cNvGrpSpPr/>
-        <p:nvPr/>
-      </p:nvGrpSpPr>
-      <p:grpSpPr>
-        <a:xfrm>
-          <a:off x="0" y="0"/>
-          <a:ext cx="0" cy="0"/>
-          <a:chOff x="0" y="0"/>
-          <a:chExt cx="0" cy="0"/>
-        </a:xfrm>
-      </p:grpSpPr>
-      <p:sp>
-        <p:nvSpPr>
-          <p:cNvPr id="2" name="Title 1"/>
-          <p:cNvSpPr>
-            <a:spLocks noGrp="1"/>
-          </p:cNvSpPr>
-          <p:nvPr>
-            <p:ph type="title"/>
-          </p:nvPr>
-        </p:nvSpPr>
-        <p:spPr/>
-        <p:txBody>
-          <a:bodyPr>
-            <a:normAutofit fontScale="90000"/>
-          </a:bodyPr>
-          <a:lstStyle/>
-          <a:p>
-            <a:pPr algn="ctr"/>
-            <a:r>
-              <a:rPr lang="en-US" dirty="0"/>
-              <a:t>Methodology</a:t>
-            </a:r>
-            <a:br>
-              <a:rPr lang="en-US" dirty="0"/>
-            </a:br>
-            <a:endParaRPr lang="en-US" dirty="0"/>
-          </a:p>
-        </p:txBody>
-      </p:sp>
-      <p:sp>
-        <p:nvSpPr>
-          <p:cNvPr id="9" name="Content Placeholder 2">
-            <a:extLst>
-              <a:ext uri="{FF2B5EF4-FFF2-40B4-BE49-F238E27FC236}">
-                <a16:creationId xmlns:a16="http://schemas.microsoft.com/office/drawing/2014/main" id="{E3CA6EBC-B4F6-4394-AB80-9EDE2B3CC950}"/>
-              </a:ext>
-            </a:extLst>
-          </p:cNvPr>
-          <p:cNvSpPr>
-            <a:spLocks noGrp="1"/>
-          </p:cNvSpPr>
-          <p:nvPr>
-            <p:ph idx="1"/>
-          </p:nvPr>
-        </p:nvSpPr>
-        <p:spPr>
-          <a:xfrm>
-            <a:off x="1266980" y="1070260"/>
-            <a:ext cx="9509760" cy="824443"/>
-          </a:xfrm>
-        </p:spPr>
-        <p:txBody>
-          <a:bodyPr>
-            <a:normAutofit lnSpcReduction="10000"/>
-          </a:bodyPr>
-          <a:lstStyle/>
-          <a:p>
-            <a:r>
-              <a:rPr lang="en-US" dirty="0"/>
-              <a:t>The next step is to sort all this data, and create a new table with every city in one row, and 100 columns, each with one feature. Each cell will contain the number of venues of that category that exist in that city:</a:t>
-            </a:r>
-          </a:p>
-        </p:txBody>
-      </p:sp>
-      <p:pic>
-        <p:nvPicPr>
-          <p:cNvPr id="5" name="Picture 4">
-            <a:extLst>
-              <a:ext uri="{FF2B5EF4-FFF2-40B4-BE49-F238E27FC236}">
-                <a16:creationId xmlns:a16="http://schemas.microsoft.com/office/drawing/2014/main" id="{E9088325-ECB4-464E-92DB-D870A16C1226}"/>
-              </a:ext>
-            </a:extLst>
-          </p:cNvPr>
-          <p:cNvPicPr>
-            <a:picLocks noChangeAspect="1"/>
-          </p:cNvPicPr>
-          <p:nvPr/>
-        </p:nvPicPr>
-        <p:blipFill>
-          <a:blip r:embed="rId2"/>
-          <a:stretch>
-            <a:fillRect/>
-          </a:stretch>
-        </p:blipFill>
-        <p:spPr>
-          <a:xfrm>
-            <a:off x="1677300" y="2079664"/>
-            <a:ext cx="8837398" cy="4513160"/>
-          </a:xfrm>
-          <a:prstGeom prst="rect">
-            <a:avLst/>
-          </a:prstGeom>
-        </p:spPr>
-      </p:pic>
-    </p:spTree>
-    <p:extLst>
-      <p:ext uri="{BB962C8B-B14F-4D97-AF65-F5344CB8AC3E}">
-        <p14:creationId xmlns:p14="http://schemas.microsoft.com/office/powerpoint/2010/main" val="328904876"/>
+        <p14:creationId xmlns:p14="http://schemas.microsoft.com/office/powerpoint/2010/main" val="2508691385"/>
       </p:ext>
     </p:extLst>
   </p:cSld>
@@ -7238,8 +6739,8 @@
         </p:nvSpPr>
         <p:spPr>
           <a:xfrm>
-            <a:off x="1258742" y="732508"/>
-            <a:ext cx="9509760" cy="2358740"/>
+            <a:off x="1266980" y="1070260"/>
+            <a:ext cx="9509760" cy="824443"/>
           </a:xfrm>
         </p:spPr>
         <p:txBody>
@@ -7250,7 +6751,7 @@
           <a:p>
             <a:r>
               <a:rPr lang="en-US" dirty="0"/>
-              <a:t>The next step is to see if there are any cities that should be discarded because it has few sites. This may be because Foursquare has little data about a site, because we put the coordinates wrong (for example, we put the name of a country or region instead of a city) or that the place simply has few sites. An example of a misnomer is for example the place "Hawaii". However, when looking for the coordinates in geocoders, putting the name of Hawaii instead of the name of its capital (Honolulu) returned us a location far from any city.</a:t>
+              <a:t>Now we normalize our data set.</a:t>
             </a:r>
           </a:p>
         </p:txBody>
@@ -7260,7 +6761,7 @@
           <p:cNvPr id="4" name="Picture 3">
             <a:extLst>
               <a:ext uri="{FF2B5EF4-FFF2-40B4-BE49-F238E27FC236}">
-                <a16:creationId xmlns:a16="http://schemas.microsoft.com/office/drawing/2014/main" id="{8A72DE58-7221-4F9F-9E58-9B166B7E056D}"/>
+                <a16:creationId xmlns:a16="http://schemas.microsoft.com/office/drawing/2014/main" id="{B16976FA-20E7-4927-9312-1C68FDC473C1}"/>
               </a:ext>
             </a:extLst>
           </p:cNvPr>
@@ -7277,8 +6778,8 @@
         </p:blipFill>
         <p:spPr>
           <a:xfrm>
-            <a:off x="2413687" y="2896800"/>
-            <a:ext cx="7026876" cy="3457740"/>
+            <a:off x="1415260" y="1872049"/>
+            <a:ext cx="9305925" cy="3505200"/>
           </a:xfrm>
           <a:prstGeom prst="rect">
             <a:avLst/>
@@ -7288,7 +6789,7 @@
     </p:spTree>
     <p:extLst>
       <p:ext uri="{BB962C8B-B14F-4D97-AF65-F5344CB8AC3E}">
-        <p14:creationId xmlns:p14="http://schemas.microsoft.com/office/powerpoint/2010/main" val="3901820365"/>
+        <p14:creationId xmlns:p14="http://schemas.microsoft.com/office/powerpoint/2010/main" val="182264226"/>
       </p:ext>
     </p:extLst>
   </p:cSld>
